--- a/BetterReads-BookApp-PPT.pptx
+++ b/BetterReads-BookApp-PPT.pptx
@@ -12,6 +12,10 @@
     <p:sldId id="261" r:id="rId6"/>
     <p:sldId id="263" r:id="rId7"/>
     <p:sldId id="262" r:id="rId8"/>
+    <p:sldId id="264" r:id="rId9"/>
+    <p:sldId id="265" r:id="rId10"/>
+    <p:sldId id="266" r:id="rId11"/>
+    <p:sldId id="267" r:id="rId12"/>
   </p:sldIdLst>
   <p:sldSz cx="9144000" cy="6858000" type="screen4x3"/>
   <p:notesSz cx="6858000" cy="9144000"/>
@@ -772,7 +776,7 @@
             <a:fld id="{5354E942-1E9C-4427-B5FE-E3DD134DBBAE}" type="datetimeFigureOut">
               <a:rPr lang="en-US" smtClean="0"/>
               <a:pPr/>
-              <a:t>5/13/2022</a:t>
+              <a:t>6/2/2022</a:t>
             </a:fld>
             <a:endParaRPr lang="en-US" dirty="0"/>
           </a:p>
@@ -957,7 +961,7 @@
             <a:fld id="{5354E942-1E9C-4427-B5FE-E3DD134DBBAE}" type="datetimeFigureOut">
               <a:rPr lang="en-US" smtClean="0"/>
               <a:pPr/>
-              <a:t>5/13/2022</a:t>
+              <a:t>6/2/2022</a:t>
             </a:fld>
             <a:endParaRPr lang="en-US" dirty="0"/>
           </a:p>
@@ -1134,7 +1138,7 @@
             <a:fld id="{5354E942-1E9C-4427-B5FE-E3DD134DBBAE}" type="datetimeFigureOut">
               <a:rPr lang="en-US" smtClean="0"/>
               <a:pPr/>
-              <a:t>5/13/2022</a:t>
+              <a:t>6/2/2022</a:t>
             </a:fld>
             <a:endParaRPr lang="en-US" dirty="0"/>
           </a:p>
@@ -1301,7 +1305,7 @@
             <a:fld id="{5354E942-1E9C-4427-B5FE-E3DD134DBBAE}" type="datetimeFigureOut">
               <a:rPr lang="en-US" smtClean="0"/>
               <a:pPr/>
-              <a:t>5/13/2022</a:t>
+              <a:t>6/2/2022</a:t>
             </a:fld>
             <a:endParaRPr lang="en-US" dirty="0"/>
           </a:p>
@@ -1524,7 +1528,7 @@
             <a:fld id="{5354E942-1E9C-4427-B5FE-E3DD134DBBAE}" type="datetimeFigureOut">
               <a:rPr lang="en-US" smtClean="0"/>
               <a:pPr/>
-              <a:t>5/13/2022</a:t>
+              <a:t>6/2/2022</a:t>
             </a:fld>
             <a:endParaRPr lang="en-US" dirty="0"/>
           </a:p>
@@ -1785,7 +1789,7 @@
             <a:fld id="{5354E942-1E9C-4427-B5FE-E3DD134DBBAE}" type="datetimeFigureOut">
               <a:rPr lang="en-US" smtClean="0"/>
               <a:pPr/>
-              <a:t>5/13/2022</a:t>
+              <a:t>6/2/2022</a:t>
             </a:fld>
             <a:endParaRPr lang="en-US" dirty="0"/>
           </a:p>
@@ -2191,7 +2195,7 @@
             <a:fld id="{5354E942-1E9C-4427-B5FE-E3DD134DBBAE}" type="datetimeFigureOut">
               <a:rPr lang="en-US" smtClean="0"/>
               <a:pPr/>
-              <a:t>5/13/2022</a:t>
+              <a:t>6/2/2022</a:t>
             </a:fld>
             <a:endParaRPr lang="en-US" dirty="0"/>
           </a:p>
@@ -2324,7 +2328,7 @@
             <a:fld id="{5354E942-1E9C-4427-B5FE-E3DD134DBBAE}" type="datetimeFigureOut">
               <a:rPr lang="en-US" smtClean="0"/>
               <a:pPr/>
-              <a:t>5/13/2022</a:t>
+              <a:t>6/2/2022</a:t>
             </a:fld>
             <a:endParaRPr lang="en-US" dirty="0"/>
           </a:p>
@@ -2426,7 +2430,7 @@
             <a:fld id="{5354E942-1E9C-4427-B5FE-E3DD134DBBAE}" type="datetimeFigureOut">
               <a:rPr lang="en-US" smtClean="0"/>
               <a:pPr/>
-              <a:t>5/13/2022</a:t>
+              <a:t>6/2/2022</a:t>
             </a:fld>
             <a:endParaRPr lang="en-US" dirty="0"/>
           </a:p>
@@ -2673,7 +2677,7 @@
             <a:fld id="{5354E942-1E9C-4427-B5FE-E3DD134DBBAE}" type="datetimeFigureOut">
               <a:rPr lang="en-US" smtClean="0"/>
               <a:pPr/>
-              <a:t>5/13/2022</a:t>
+              <a:t>6/2/2022</a:t>
             </a:fld>
             <a:endParaRPr lang="en-US" dirty="0"/>
           </a:p>
@@ -2919,7 +2923,7 @@
             <a:fld id="{5354E942-1E9C-4427-B5FE-E3DD134DBBAE}" type="datetimeFigureOut">
               <a:rPr lang="en-US" smtClean="0"/>
               <a:pPr/>
-              <a:t>5/13/2022</a:t>
+              <a:t>6/2/2022</a:t>
             </a:fld>
             <a:endParaRPr lang="en-US" dirty="0"/>
           </a:p>
@@ -3745,7 +3749,7 @@
             <a:fld id="{5354E942-1E9C-4427-B5FE-E3DD134DBBAE}" type="datetimeFigureOut">
               <a:rPr lang="en-US" smtClean="0"/>
               <a:pPr/>
-              <a:t>5/13/2022</a:t>
+              <a:t>6/2/2022</a:t>
             </a:fld>
             <a:endParaRPr lang="en-US" dirty="0"/>
           </a:p>
@@ -4145,7 +4149,7 @@
         <p:spPr>
           <a:xfrm>
             <a:off x="609600" y="1066800"/>
-            <a:ext cx="8001000" cy="4832092"/>
+            <a:ext cx="8001000" cy="6494085"/>
           </a:xfrm>
           <a:prstGeom prst="rect">
             <a:avLst/>
@@ -4162,8 +4166,17 @@
               <a:rPr lang="en-US" sz="2000" b="1" dirty="0" smtClean="0">
                 <a:latin typeface="Book Antiqua" pitchFamily="18" charset="0"/>
               </a:rPr>
-              <a:t>Case Study:  BetterReads Book Application</a:t>
-            </a:r>
+              <a:t>Case Study:  BetterReads Book </a:t>
+            </a:r>
+            <a:r>
+              <a:rPr lang="en-US" sz="2000" b="1" dirty="0" smtClean="0">
+                <a:latin typeface="Book Antiqua" pitchFamily="18" charset="0"/>
+              </a:rPr>
+              <a:t>Application</a:t>
+            </a:r>
+            <a:endParaRPr lang="en-US" sz="2000" b="1" dirty="0" smtClean="0">
+              <a:latin typeface="Book Antiqua" pitchFamily="18" charset="0"/>
+            </a:endParaRPr>
           </a:p>
           <a:p>
             <a:endParaRPr lang="en-US" dirty="0"/>
@@ -4181,7 +4194,14 @@
                 <a:latin typeface="Courier New" pitchFamily="49" charset="0"/>
                 <a:cs typeface="Courier New" pitchFamily="49" charset="0"/>
               </a:rPr>
-              <a:t> Spring Boot Microservices using REST API</a:t>
+              <a:t> </a:t>
+            </a:r>
+            <a:r>
+              <a:rPr lang="en-US" dirty="0" smtClean="0">
+                <a:latin typeface="Courier New" pitchFamily="49" charset="0"/>
+                <a:cs typeface="Courier New" pitchFamily="49" charset="0"/>
+              </a:rPr>
+              <a:t>Developed a Single Page Application titled as ‘BetterReads’ using Angular 13 + Spring Boot.  </a:t>
             </a:r>
           </a:p>
           <a:p>
@@ -4197,8 +4217,33 @@
                 <a:latin typeface="Courier New" pitchFamily="49" charset="0"/>
                 <a:cs typeface="Courier New" pitchFamily="49" charset="0"/>
               </a:rPr>
-              <a:t> Workflow of Spring Boot Architecture</a:t>
-            </a:r>
+              <a:t> </a:t>
+            </a:r>
+            <a:r>
+              <a:rPr lang="en-US" dirty="0" smtClean="0">
+                <a:latin typeface="Courier New" pitchFamily="49" charset="0"/>
+                <a:cs typeface="Courier New" pitchFamily="49" charset="0"/>
+              </a:rPr>
+              <a:t>Spring </a:t>
+            </a:r>
+            <a:r>
+              <a:rPr lang="en-US" dirty="0" smtClean="0">
+                <a:latin typeface="Courier New" pitchFamily="49" charset="0"/>
+                <a:cs typeface="Courier New" pitchFamily="49" charset="0"/>
+              </a:rPr>
+              <a:t>Boot Microservices using REST </a:t>
+            </a:r>
+            <a:r>
+              <a:rPr lang="en-US" dirty="0" smtClean="0">
+                <a:latin typeface="Courier New" pitchFamily="49" charset="0"/>
+                <a:cs typeface="Courier New" pitchFamily="49" charset="0"/>
+              </a:rPr>
+              <a:t>API</a:t>
+            </a:r>
+            <a:endParaRPr lang="en-US" dirty="0" smtClean="0">
+              <a:latin typeface="Courier New" pitchFamily="49" charset="0"/>
+              <a:cs typeface="Courier New" pitchFamily="49" charset="0"/>
+            </a:endParaRPr>
           </a:p>
           <a:p>
             <a:pPr>
@@ -4213,35 +4258,7 @@
                 <a:latin typeface="Courier New" pitchFamily="49" charset="0"/>
                 <a:cs typeface="Courier New" pitchFamily="49" charset="0"/>
               </a:rPr>
-              <a:t> Code Implementation of Spring Boot using REST API + </a:t>
-            </a:r>
-          </a:p>
-          <a:p>
-            <a:pPr>
-              <a:lnSpc>
-                <a:spcPct val="150000"/>
-              </a:lnSpc>
-            </a:pPr>
-            <a:r>
-              <a:rPr lang="en-US" dirty="0" smtClean="0">
-                <a:latin typeface="Courier New" pitchFamily="49" charset="0"/>
-                <a:cs typeface="Courier New" pitchFamily="49" charset="0"/>
-              </a:rPr>
-              <a:t>  MongoDB for Model Classes and perform CRUD</a:t>
-            </a:r>
-          </a:p>
-          <a:p>
-            <a:pPr>
-              <a:lnSpc>
-                <a:spcPct val="150000"/>
-              </a:lnSpc>
-            </a:pPr>
-            <a:r>
-              <a:rPr lang="en-US" dirty="0" smtClean="0">
-                <a:latin typeface="Courier New" pitchFamily="49" charset="0"/>
-                <a:cs typeface="Courier New" pitchFamily="49" charset="0"/>
-              </a:rPr>
-              <a:t>  Operations.</a:t>
+              <a:t> Workflow of Spring Boot Architecture</a:t>
             </a:r>
           </a:p>
           <a:p>
@@ -4257,7 +4274,35 @@
                 <a:latin typeface="Courier New" pitchFamily="49" charset="0"/>
                 <a:cs typeface="Courier New" pitchFamily="49" charset="0"/>
               </a:rPr>
-              <a:t> Running the Spring Boot Application using Postman</a:t>
+              <a:t> Code Implementation of Spring Boot using REST API + </a:t>
+            </a:r>
+          </a:p>
+          <a:p>
+            <a:pPr>
+              <a:lnSpc>
+                <a:spcPct val="150000"/>
+              </a:lnSpc>
+            </a:pPr>
+            <a:r>
+              <a:rPr lang="en-US" dirty="0" smtClean="0">
+                <a:latin typeface="Courier New" pitchFamily="49" charset="0"/>
+                <a:cs typeface="Courier New" pitchFamily="49" charset="0"/>
+              </a:rPr>
+              <a:t>  MongoDB for Model Classes and perform CRUD</a:t>
+            </a:r>
+          </a:p>
+          <a:p>
+            <a:pPr>
+              <a:lnSpc>
+                <a:spcPct val="150000"/>
+              </a:lnSpc>
+            </a:pPr>
+            <a:r>
+              <a:rPr lang="en-US" dirty="0" smtClean="0">
+                <a:latin typeface="Courier New" pitchFamily="49" charset="0"/>
+                <a:cs typeface="Courier New" pitchFamily="49" charset="0"/>
+              </a:rPr>
+              <a:t>  Operations.</a:t>
             </a:r>
           </a:p>
           <a:p>
@@ -4269,6 +4314,22 @@
               <a:buChar char="§"/>
             </a:pPr>
             <a:r>
+              <a:rPr lang="en-US" dirty="0" smtClean="0">
+                <a:latin typeface="Courier New" pitchFamily="49" charset="0"/>
+                <a:cs typeface="Courier New" pitchFamily="49" charset="0"/>
+              </a:rPr>
+              <a:t> Running the Spring Boot Application using Postman</a:t>
+            </a:r>
+          </a:p>
+          <a:p>
+            <a:pPr>
+              <a:lnSpc>
+                <a:spcPct val="150000"/>
+              </a:lnSpc>
+              <a:buFont typeface="Wingdings" pitchFamily="2" charset="2"/>
+              <a:buChar char="§"/>
+            </a:pPr>
+            <a:r>
               <a:rPr lang="en-US" dirty="0">
                 <a:latin typeface="Courier New" pitchFamily="49" charset="0"/>
                 <a:cs typeface="Courier New" pitchFamily="49" charset="0"/>
@@ -4301,8 +4362,60 @@
                 <a:latin typeface="Courier New" pitchFamily="49" charset="0"/>
                 <a:cs typeface="Courier New" pitchFamily="49" charset="0"/>
               </a:rPr>
-              <a:t> Boot Application.</a:t>
-            </a:r>
+              <a:t> Boot Application</a:t>
+            </a:r>
+            <a:r>
+              <a:rPr lang="en-US" dirty="0" smtClean="0">
+                <a:latin typeface="Courier New" pitchFamily="49" charset="0"/>
+                <a:cs typeface="Courier New" pitchFamily="49" charset="0"/>
+              </a:rPr>
+              <a:t>.</a:t>
+            </a:r>
+          </a:p>
+          <a:p>
+            <a:pPr>
+              <a:lnSpc>
+                <a:spcPct val="150000"/>
+              </a:lnSpc>
+              <a:buFont typeface="Wingdings" pitchFamily="2" charset="2"/>
+              <a:buChar char="§"/>
+            </a:pPr>
+            <a:r>
+              <a:rPr lang="en-US" dirty="0" smtClean="0">
+                <a:latin typeface="Courier New" pitchFamily="49" charset="0"/>
+                <a:cs typeface="Courier New" pitchFamily="49" charset="0"/>
+              </a:rPr>
+              <a:t> Building </a:t>
+            </a:r>
+            <a:r>
+              <a:rPr lang="en-US" dirty="0" smtClean="0">
+                <a:latin typeface="Courier New" pitchFamily="49" charset="0"/>
+                <a:cs typeface="Courier New" pitchFamily="49" charset="0"/>
+              </a:rPr>
+              <a:t>Angular Components to perform CRUD </a:t>
+            </a:r>
+            <a:r>
+              <a:rPr lang="en-US" dirty="0" smtClean="0">
+                <a:latin typeface="Courier New" pitchFamily="49" charset="0"/>
+                <a:cs typeface="Courier New" pitchFamily="49" charset="0"/>
+              </a:rPr>
+              <a:t>operations. </a:t>
+            </a:r>
+            <a:endParaRPr lang="en-US" dirty="0" smtClean="0">
+              <a:latin typeface="Courier New" pitchFamily="49" charset="0"/>
+              <a:cs typeface="Courier New" pitchFamily="49" charset="0"/>
+            </a:endParaRPr>
+          </a:p>
+          <a:p>
+            <a:pPr>
+              <a:lnSpc>
+                <a:spcPct val="150000"/>
+              </a:lnSpc>
+            </a:pPr>
+            <a:endParaRPr lang="en-US" dirty="0" smtClean="0">
+              <a:latin typeface="Courier New" pitchFamily="49" charset="0"/>
+              <a:cs typeface="Courier New" pitchFamily="49" charset="0"/>
+            </a:endParaRPr>
           </a:p>
           <a:p>
             <a:pPr>
@@ -4343,6 +4456,1137 @@
       </p:par>
     </p:tnLst>
   </p:timing>
+</p:sld>
+</file>
+
+<file path=ppt/slides/slide10.xml><?xml version="1.0" encoding="utf-8"?>
+<p:sld xmlns:a="http://schemas.openxmlformats.org/drawingml/2006/main" xmlns:r="http://schemas.openxmlformats.org/officeDocument/2006/relationships" xmlns:p="http://schemas.openxmlformats.org/presentationml/2006/main">
+  <p:cSld>
+    <p:spTree>
+      <p:nvGrpSpPr>
+        <p:cNvPr id="1" name=""/>
+        <p:cNvGrpSpPr/>
+        <p:nvPr/>
+      </p:nvGrpSpPr>
+      <p:grpSpPr>
+        <a:xfrm>
+          <a:off x="0" y="0"/>
+          <a:ext cx="0" cy="0"/>
+          <a:chOff x="0" y="0"/>
+          <a:chExt cx="0" cy="0"/>
+        </a:xfrm>
+      </p:grpSpPr>
+      <p:sp>
+        <p:nvSpPr>
+          <p:cNvPr id="2" name="Rounded Rectangle 1"/>
+          <p:cNvSpPr/>
+          <p:nvPr/>
+        </p:nvSpPr>
+        <p:spPr>
+          <a:xfrm>
+            <a:off x="304800" y="3429000"/>
+            <a:ext cx="1295400" cy="762000"/>
+          </a:xfrm>
+          <a:prstGeom prst="roundRect">
+            <a:avLst/>
+          </a:prstGeom>
+          <a:solidFill>
+            <a:schemeClr val="accent6">
+              <a:lumMod val="40000"/>
+              <a:lumOff val="60000"/>
+            </a:schemeClr>
+          </a:solidFill>
+        </p:spPr>
+        <p:style>
+          <a:lnRef idx="2">
+            <a:schemeClr val="accent1">
+              <a:shade val="50000"/>
+            </a:schemeClr>
+          </a:lnRef>
+          <a:fillRef idx="1">
+            <a:schemeClr val="accent1"/>
+          </a:fillRef>
+          <a:effectRef idx="0">
+            <a:schemeClr val="accent1"/>
+          </a:effectRef>
+          <a:fontRef idx="minor">
+            <a:schemeClr val="lt1"/>
+          </a:fontRef>
+        </p:style>
+        <p:txBody>
+          <a:bodyPr rtlCol="0" anchor="ctr"/>
+          <a:lstStyle/>
+          <a:p>
+            <a:pPr algn="ctr"/>
+            <a:endParaRPr lang="en-US" dirty="0"/>
+          </a:p>
+        </p:txBody>
+      </p:sp>
+      <p:sp>
+        <p:nvSpPr>
+          <p:cNvPr id="3" name="TextBox 2"/>
+          <p:cNvSpPr txBox="1"/>
+          <p:nvPr/>
+        </p:nvSpPr>
+        <p:spPr>
+          <a:xfrm>
+            <a:off x="228600" y="3505200"/>
+            <a:ext cx="1371600" cy="646331"/>
+          </a:xfrm>
+          <a:prstGeom prst="rect">
+            <a:avLst/>
+          </a:prstGeom>
+          <a:noFill/>
+        </p:spPr>
+        <p:txBody>
+          <a:bodyPr wrap="square" rtlCol="0">
+            <a:spAutoFit/>
+          </a:bodyPr>
+          <a:lstStyle/>
+          <a:p>
+            <a:pPr algn="ctr"/>
+            <a:r>
+              <a:rPr lang="en-US" dirty="0" smtClean="0"/>
+              <a:t>View </a:t>
+            </a:r>
+          </a:p>
+          <a:p>
+            <a:pPr algn="ctr"/>
+            <a:r>
+              <a:rPr lang="en-US" dirty="0" smtClean="0"/>
+              <a:t>Templates</a:t>
+            </a:r>
+            <a:endParaRPr lang="en-US" dirty="0"/>
+          </a:p>
+        </p:txBody>
+      </p:sp>
+      <p:sp>
+        <p:nvSpPr>
+          <p:cNvPr id="4" name="Rounded Rectangle 3"/>
+          <p:cNvSpPr/>
+          <p:nvPr/>
+        </p:nvSpPr>
+        <p:spPr>
+          <a:xfrm>
+            <a:off x="1752600" y="3429000"/>
+            <a:ext cx="1447800" cy="762000"/>
+          </a:xfrm>
+          <a:prstGeom prst="roundRect">
+            <a:avLst/>
+          </a:prstGeom>
+          <a:solidFill>
+            <a:schemeClr val="accent6">
+              <a:lumMod val="40000"/>
+              <a:lumOff val="60000"/>
+            </a:schemeClr>
+          </a:solidFill>
+        </p:spPr>
+        <p:style>
+          <a:lnRef idx="2">
+            <a:schemeClr val="accent1">
+              <a:shade val="50000"/>
+            </a:schemeClr>
+          </a:lnRef>
+          <a:fillRef idx="1">
+            <a:schemeClr val="accent1"/>
+          </a:fillRef>
+          <a:effectRef idx="0">
+            <a:schemeClr val="accent1"/>
+          </a:effectRef>
+          <a:fontRef idx="minor">
+            <a:schemeClr val="lt1"/>
+          </a:fontRef>
+        </p:style>
+        <p:txBody>
+          <a:bodyPr rtlCol="0" anchor="ctr"/>
+          <a:lstStyle/>
+          <a:p>
+            <a:pPr algn="ctr"/>
+            <a:endParaRPr lang="en-US" dirty="0"/>
+          </a:p>
+        </p:txBody>
+      </p:sp>
+      <p:sp>
+        <p:nvSpPr>
+          <p:cNvPr id="5" name="TextBox 4"/>
+          <p:cNvSpPr txBox="1"/>
+          <p:nvPr/>
+        </p:nvSpPr>
+        <p:spPr>
+          <a:xfrm>
+            <a:off x="1752600" y="3581400"/>
+            <a:ext cx="1524000" cy="369332"/>
+          </a:xfrm>
+          <a:prstGeom prst="rect">
+            <a:avLst/>
+          </a:prstGeom>
+          <a:noFill/>
+        </p:spPr>
+        <p:txBody>
+          <a:bodyPr wrap="square" rtlCol="0">
+            <a:spAutoFit/>
+          </a:bodyPr>
+          <a:lstStyle/>
+          <a:p>
+            <a:pPr algn="ctr"/>
+            <a:r>
+              <a:rPr lang="en-US" dirty="0" smtClean="0"/>
+              <a:t>Components</a:t>
+            </a:r>
+            <a:endParaRPr lang="en-US" dirty="0"/>
+          </a:p>
+        </p:txBody>
+      </p:sp>
+      <p:sp>
+        <p:nvSpPr>
+          <p:cNvPr id="6" name="Rounded Rectangle 5"/>
+          <p:cNvSpPr/>
+          <p:nvPr/>
+        </p:nvSpPr>
+        <p:spPr>
+          <a:xfrm>
+            <a:off x="3352800" y="3429000"/>
+            <a:ext cx="1295400" cy="762000"/>
+          </a:xfrm>
+          <a:prstGeom prst="roundRect">
+            <a:avLst/>
+          </a:prstGeom>
+          <a:solidFill>
+            <a:schemeClr val="accent6">
+              <a:lumMod val="40000"/>
+              <a:lumOff val="60000"/>
+            </a:schemeClr>
+          </a:solidFill>
+        </p:spPr>
+        <p:style>
+          <a:lnRef idx="2">
+            <a:schemeClr val="accent1">
+              <a:shade val="50000"/>
+            </a:schemeClr>
+          </a:lnRef>
+          <a:fillRef idx="1">
+            <a:schemeClr val="accent1"/>
+          </a:fillRef>
+          <a:effectRef idx="0">
+            <a:schemeClr val="accent1"/>
+          </a:effectRef>
+          <a:fontRef idx="minor">
+            <a:schemeClr val="lt1"/>
+          </a:fontRef>
+        </p:style>
+        <p:txBody>
+          <a:bodyPr rtlCol="0" anchor="ctr"/>
+          <a:lstStyle/>
+          <a:p>
+            <a:pPr algn="ctr"/>
+            <a:endParaRPr lang="en-US" dirty="0"/>
+          </a:p>
+        </p:txBody>
+      </p:sp>
+      <p:sp>
+        <p:nvSpPr>
+          <p:cNvPr id="7" name="TextBox 6"/>
+          <p:cNvSpPr txBox="1"/>
+          <p:nvPr/>
+        </p:nvSpPr>
+        <p:spPr>
+          <a:xfrm>
+            <a:off x="3352800" y="3581400"/>
+            <a:ext cx="1371600" cy="369332"/>
+          </a:xfrm>
+          <a:prstGeom prst="rect">
+            <a:avLst/>
+          </a:prstGeom>
+          <a:noFill/>
+        </p:spPr>
+        <p:txBody>
+          <a:bodyPr wrap="square" rtlCol="0">
+            <a:spAutoFit/>
+          </a:bodyPr>
+          <a:lstStyle/>
+          <a:p>
+            <a:pPr algn="ctr"/>
+            <a:r>
+              <a:rPr lang="en-US" dirty="0" smtClean="0"/>
+              <a:t>Services</a:t>
+            </a:r>
+          </a:p>
+        </p:txBody>
+      </p:sp>
+      <p:sp>
+        <p:nvSpPr>
+          <p:cNvPr id="8" name="Rectangle 7"/>
+          <p:cNvSpPr/>
+          <p:nvPr/>
+        </p:nvSpPr>
+        <p:spPr>
+          <a:xfrm>
+            <a:off x="228600" y="2971800"/>
+            <a:ext cx="4495800" cy="1752600"/>
+          </a:xfrm>
+          <a:prstGeom prst="rect">
+            <a:avLst/>
+          </a:prstGeom>
+          <a:noFill/>
+          <a:ln>
+            <a:prstDash val="sysDot"/>
+          </a:ln>
+        </p:spPr>
+        <p:style>
+          <a:lnRef idx="2">
+            <a:schemeClr val="accent1">
+              <a:shade val="50000"/>
+            </a:schemeClr>
+          </a:lnRef>
+          <a:fillRef idx="1">
+            <a:schemeClr val="accent1"/>
+          </a:fillRef>
+          <a:effectRef idx="0">
+            <a:schemeClr val="accent1"/>
+          </a:effectRef>
+          <a:fontRef idx="minor">
+            <a:schemeClr val="lt1"/>
+          </a:fontRef>
+        </p:style>
+        <p:txBody>
+          <a:bodyPr rtlCol="0" anchor="ctr"/>
+          <a:lstStyle/>
+          <a:p>
+            <a:pPr algn="ctr"/>
+            <a:endParaRPr lang="en-US" dirty="0"/>
+          </a:p>
+        </p:txBody>
+      </p:sp>
+      <p:sp>
+        <p:nvSpPr>
+          <p:cNvPr id="9" name="TextBox 8"/>
+          <p:cNvSpPr txBox="1"/>
+          <p:nvPr/>
+        </p:nvSpPr>
+        <p:spPr>
+          <a:xfrm>
+            <a:off x="4876800" y="3505200"/>
+            <a:ext cx="838200" cy="646331"/>
+          </a:xfrm>
+          <a:prstGeom prst="rect">
+            <a:avLst/>
+          </a:prstGeom>
+          <a:noFill/>
+        </p:spPr>
+        <p:txBody>
+          <a:bodyPr wrap="square" rtlCol="0">
+            <a:spAutoFit/>
+          </a:bodyPr>
+          <a:lstStyle/>
+          <a:p>
+            <a:r>
+              <a:rPr lang="en-US" dirty="0" smtClean="0">
+                <a:solidFill>
+                  <a:srgbClr val="FF0000"/>
+                </a:solidFill>
+              </a:rPr>
+              <a:t>HTTP</a:t>
+            </a:r>
+          </a:p>
+          <a:p>
+            <a:r>
+              <a:rPr lang="en-US" dirty="0" smtClean="0">
+                <a:solidFill>
+                  <a:srgbClr val="FF0000"/>
+                </a:solidFill>
+              </a:rPr>
+              <a:t>Client</a:t>
+            </a:r>
+            <a:endParaRPr lang="en-US" dirty="0">
+              <a:solidFill>
+                <a:srgbClr val="FF0000"/>
+              </a:solidFill>
+            </a:endParaRPr>
+          </a:p>
+        </p:txBody>
+      </p:sp>
+      <p:sp>
+        <p:nvSpPr>
+          <p:cNvPr id="10" name="Rounded Rectangle 9"/>
+          <p:cNvSpPr/>
+          <p:nvPr/>
+        </p:nvSpPr>
+        <p:spPr>
+          <a:xfrm>
+            <a:off x="5791200" y="3505200"/>
+            <a:ext cx="1447800" cy="762000"/>
+          </a:xfrm>
+          <a:prstGeom prst="roundRect">
+            <a:avLst/>
+          </a:prstGeom>
+          <a:solidFill>
+            <a:schemeClr val="accent6">
+              <a:lumMod val="40000"/>
+              <a:lumOff val="60000"/>
+            </a:schemeClr>
+          </a:solidFill>
+        </p:spPr>
+        <p:style>
+          <a:lnRef idx="2">
+            <a:schemeClr val="accent1">
+              <a:shade val="50000"/>
+            </a:schemeClr>
+          </a:lnRef>
+          <a:fillRef idx="1">
+            <a:schemeClr val="accent1"/>
+          </a:fillRef>
+          <a:effectRef idx="0">
+            <a:schemeClr val="accent1"/>
+          </a:effectRef>
+          <a:fontRef idx="minor">
+            <a:schemeClr val="lt1"/>
+          </a:fontRef>
+        </p:style>
+        <p:txBody>
+          <a:bodyPr rtlCol="0" anchor="ctr"/>
+          <a:lstStyle/>
+          <a:p>
+            <a:pPr algn="ctr"/>
+            <a:endParaRPr lang="en-US" dirty="0"/>
+          </a:p>
+        </p:txBody>
+      </p:sp>
+      <p:sp>
+        <p:nvSpPr>
+          <p:cNvPr id="11" name="TextBox 10"/>
+          <p:cNvSpPr txBox="1"/>
+          <p:nvPr/>
+        </p:nvSpPr>
+        <p:spPr>
+          <a:xfrm>
+            <a:off x="5791200" y="3581400"/>
+            <a:ext cx="1524000" cy="646331"/>
+          </a:xfrm>
+          <a:prstGeom prst="rect">
+            <a:avLst/>
+          </a:prstGeom>
+          <a:noFill/>
+        </p:spPr>
+        <p:txBody>
+          <a:bodyPr wrap="square" rtlCol="0">
+            <a:spAutoFit/>
+          </a:bodyPr>
+          <a:lstStyle/>
+          <a:p>
+            <a:pPr algn="ctr"/>
+            <a:r>
+              <a:rPr lang="en-US" dirty="0" smtClean="0"/>
+              <a:t>Spring Rest Controller</a:t>
+            </a:r>
+            <a:endParaRPr lang="en-US" dirty="0"/>
+          </a:p>
+        </p:txBody>
+      </p:sp>
+      <p:sp>
+        <p:nvSpPr>
+          <p:cNvPr id="12" name="Rounded Rectangle 11"/>
+          <p:cNvSpPr/>
+          <p:nvPr/>
+        </p:nvSpPr>
+        <p:spPr>
+          <a:xfrm>
+            <a:off x="7467600" y="3505200"/>
+            <a:ext cx="1447800" cy="762000"/>
+          </a:xfrm>
+          <a:prstGeom prst="roundRect">
+            <a:avLst/>
+          </a:prstGeom>
+          <a:solidFill>
+            <a:schemeClr val="accent6">
+              <a:lumMod val="40000"/>
+              <a:lumOff val="60000"/>
+            </a:schemeClr>
+          </a:solidFill>
+        </p:spPr>
+        <p:style>
+          <a:lnRef idx="2">
+            <a:schemeClr val="accent1">
+              <a:shade val="50000"/>
+            </a:schemeClr>
+          </a:lnRef>
+          <a:fillRef idx="1">
+            <a:schemeClr val="accent1"/>
+          </a:fillRef>
+          <a:effectRef idx="0">
+            <a:schemeClr val="accent1"/>
+          </a:effectRef>
+          <a:fontRef idx="minor">
+            <a:schemeClr val="lt1"/>
+          </a:fontRef>
+        </p:style>
+        <p:txBody>
+          <a:bodyPr rtlCol="0" anchor="ctr"/>
+          <a:lstStyle/>
+          <a:p>
+            <a:pPr algn="ctr"/>
+            <a:endParaRPr lang="en-US" dirty="0"/>
+          </a:p>
+        </p:txBody>
+      </p:sp>
+      <p:sp>
+        <p:nvSpPr>
+          <p:cNvPr id="13" name="TextBox 12"/>
+          <p:cNvSpPr txBox="1"/>
+          <p:nvPr/>
+        </p:nvSpPr>
+        <p:spPr>
+          <a:xfrm>
+            <a:off x="7467600" y="3581400"/>
+            <a:ext cx="1524000" cy="646331"/>
+          </a:xfrm>
+          <a:prstGeom prst="rect">
+            <a:avLst/>
+          </a:prstGeom>
+          <a:noFill/>
+        </p:spPr>
+        <p:txBody>
+          <a:bodyPr wrap="square" rtlCol="0">
+            <a:spAutoFit/>
+          </a:bodyPr>
+          <a:lstStyle/>
+          <a:p>
+            <a:pPr algn="ctr"/>
+            <a:r>
+              <a:rPr lang="en-US" dirty="0" smtClean="0"/>
+              <a:t>Spring Data</a:t>
+            </a:r>
+          </a:p>
+          <a:p>
+            <a:pPr algn="ctr"/>
+            <a:r>
+              <a:rPr lang="en-US" dirty="0" smtClean="0"/>
+              <a:t>MongoDB  </a:t>
+            </a:r>
+            <a:endParaRPr lang="en-US" dirty="0"/>
+          </a:p>
+        </p:txBody>
+      </p:sp>
+      <p:sp>
+        <p:nvSpPr>
+          <p:cNvPr id="14" name="Rectangle 13"/>
+          <p:cNvSpPr/>
+          <p:nvPr/>
+        </p:nvSpPr>
+        <p:spPr>
+          <a:xfrm>
+            <a:off x="5638800" y="2971800"/>
+            <a:ext cx="3429000" cy="1752600"/>
+          </a:xfrm>
+          <a:prstGeom prst="rect">
+            <a:avLst/>
+          </a:prstGeom>
+          <a:noFill/>
+          <a:ln>
+            <a:prstDash val="sysDot"/>
+          </a:ln>
+        </p:spPr>
+        <p:style>
+          <a:lnRef idx="2">
+            <a:schemeClr val="accent1">
+              <a:shade val="50000"/>
+            </a:schemeClr>
+          </a:lnRef>
+          <a:fillRef idx="1">
+            <a:schemeClr val="accent1"/>
+          </a:fillRef>
+          <a:effectRef idx="0">
+            <a:schemeClr val="accent1"/>
+          </a:effectRef>
+          <a:fontRef idx="minor">
+            <a:schemeClr val="lt1"/>
+          </a:fontRef>
+        </p:style>
+        <p:txBody>
+          <a:bodyPr rtlCol="0" anchor="ctr"/>
+          <a:lstStyle/>
+          <a:p>
+            <a:pPr algn="ctr"/>
+            <a:endParaRPr lang="en-US" dirty="0"/>
+          </a:p>
+        </p:txBody>
+      </p:sp>
+      <p:sp>
+        <p:nvSpPr>
+          <p:cNvPr id="15" name="Right Arrow 14"/>
+          <p:cNvSpPr/>
+          <p:nvPr/>
+        </p:nvSpPr>
+        <p:spPr>
+          <a:xfrm rot="5400000">
+            <a:off x="7734300" y="4838700"/>
+            <a:ext cx="1524000" cy="381000"/>
+          </a:xfrm>
+          <a:prstGeom prst="rightArrow">
+            <a:avLst/>
+          </a:prstGeom>
+          <a:solidFill>
+            <a:schemeClr val="accent5">
+              <a:lumMod val="20000"/>
+              <a:lumOff val="80000"/>
+            </a:schemeClr>
+          </a:solidFill>
+        </p:spPr>
+        <p:style>
+          <a:lnRef idx="2">
+            <a:schemeClr val="accent1">
+              <a:shade val="50000"/>
+            </a:schemeClr>
+          </a:lnRef>
+          <a:fillRef idx="1">
+            <a:schemeClr val="accent1"/>
+          </a:fillRef>
+          <a:effectRef idx="0">
+            <a:schemeClr val="accent1"/>
+          </a:effectRef>
+          <a:fontRef idx="minor">
+            <a:schemeClr val="lt1"/>
+          </a:fontRef>
+        </p:style>
+        <p:txBody>
+          <a:bodyPr rtlCol="0" anchor="ctr"/>
+          <a:lstStyle/>
+          <a:p>
+            <a:pPr algn="ctr"/>
+            <a:endParaRPr lang="en-US" dirty="0"/>
+          </a:p>
+        </p:txBody>
+      </p:sp>
+      <p:sp>
+        <p:nvSpPr>
+          <p:cNvPr id="16" name="Right Arrow 15"/>
+          <p:cNvSpPr/>
+          <p:nvPr/>
+        </p:nvSpPr>
+        <p:spPr>
+          <a:xfrm rot="16200000">
+            <a:off x="7124699" y="4838700"/>
+            <a:ext cx="1524000" cy="381000"/>
+          </a:xfrm>
+          <a:prstGeom prst="rightArrow">
+            <a:avLst/>
+          </a:prstGeom>
+          <a:solidFill>
+            <a:schemeClr val="accent5">
+              <a:lumMod val="20000"/>
+              <a:lumOff val="80000"/>
+            </a:schemeClr>
+          </a:solidFill>
+        </p:spPr>
+        <p:style>
+          <a:lnRef idx="2">
+            <a:schemeClr val="accent1">
+              <a:shade val="50000"/>
+            </a:schemeClr>
+          </a:lnRef>
+          <a:fillRef idx="1">
+            <a:schemeClr val="accent1"/>
+          </a:fillRef>
+          <a:effectRef idx="0">
+            <a:schemeClr val="accent1"/>
+          </a:effectRef>
+          <a:fontRef idx="minor">
+            <a:schemeClr val="lt1"/>
+          </a:fontRef>
+        </p:style>
+        <p:txBody>
+          <a:bodyPr rtlCol="0" anchor="ctr"/>
+          <a:lstStyle/>
+          <a:p>
+            <a:pPr algn="ctr"/>
+            <a:endParaRPr lang="en-US" dirty="0"/>
+          </a:p>
+        </p:txBody>
+      </p:sp>
+      <p:sp>
+        <p:nvSpPr>
+          <p:cNvPr id="1026" name="AutoShape 2" descr="What is MongoDB? The NoSQL database explained to you easily"/>
+          <p:cNvSpPr>
+            <a:spLocks noChangeAspect="1" noChangeArrowheads="1"/>
+          </p:cNvSpPr>
+          <p:nvPr/>
+        </p:nvSpPr>
+        <p:spPr bwMode="auto">
+          <a:xfrm>
+            <a:off x="155575" y="-144463"/>
+            <a:ext cx="304800" cy="304801"/>
+          </a:xfrm>
+          <a:prstGeom prst="rect">
+            <a:avLst/>
+          </a:prstGeom>
+          <a:noFill/>
+        </p:spPr>
+        <p:txBody>
+          <a:bodyPr vert="horz" wrap="square" lIns="91440" tIns="45720" rIns="91440" bIns="45720" numCol="1" anchor="t" anchorCtr="0" compatLnSpc="1">
+            <a:prstTxWarp prst="textNoShape">
+              <a:avLst/>
+            </a:prstTxWarp>
+          </a:bodyPr>
+          <a:lstStyle/>
+          <a:p>
+            <a:endParaRPr lang="en-US" dirty="0"/>
+          </a:p>
+        </p:txBody>
+      </p:sp>
+      <p:pic>
+        <p:nvPicPr>
+          <p:cNvPr id="18" name="Picture 4" descr="What is MongoDB? The NoSQL database explained to you easily"/>
+          <p:cNvPicPr>
+            <a:picLocks noChangeAspect="1" noChangeArrowheads="1"/>
+          </p:cNvPicPr>
+          <p:nvPr/>
+        </p:nvPicPr>
+        <p:blipFill>
+          <a:blip r:embed="rId2"/>
+          <a:srcRect/>
+          <a:stretch>
+            <a:fillRect/>
+          </a:stretch>
+        </p:blipFill>
+        <p:spPr bwMode="auto">
+          <a:xfrm>
+            <a:off x="7620000" y="5867400"/>
+            <a:ext cx="1066799" cy="762000"/>
+          </a:xfrm>
+          <a:prstGeom prst="rect">
+            <a:avLst/>
+          </a:prstGeom>
+          <a:noFill/>
+        </p:spPr>
+      </p:pic>
+      <p:pic>
+        <p:nvPicPr>
+          <p:cNvPr id="19" name="Picture 6" descr="Pre-rendering in Angular 9 | Thirdock Techkno"/>
+          <p:cNvPicPr>
+            <a:picLocks noChangeAspect="1" noChangeArrowheads="1"/>
+          </p:cNvPicPr>
+          <p:nvPr/>
+        </p:nvPicPr>
+        <p:blipFill>
+          <a:blip r:embed="rId3" cstate="print"/>
+          <a:srcRect l="22440" t="8549" r="23704" b="5966"/>
+          <a:stretch>
+            <a:fillRect/>
+          </a:stretch>
+        </p:blipFill>
+        <p:spPr bwMode="auto">
+          <a:xfrm>
+            <a:off x="1981200" y="2438400"/>
+            <a:ext cx="990600" cy="825500"/>
+          </a:xfrm>
+          <a:prstGeom prst="rect">
+            <a:avLst/>
+          </a:prstGeom>
+          <a:noFill/>
+        </p:spPr>
+      </p:pic>
+      <p:pic>
+        <p:nvPicPr>
+          <p:cNvPr id="20" name="Picture 8" descr="Best Software Course Training Institute in Hyderabad - Josh Innovations"/>
+          <p:cNvPicPr>
+            <a:picLocks noChangeAspect="1" noChangeArrowheads="1"/>
+          </p:cNvPicPr>
+          <p:nvPr/>
+        </p:nvPicPr>
+        <p:blipFill>
+          <a:blip r:embed="rId4"/>
+          <a:srcRect l="10938" t="4687" r="12500" b="4688"/>
+          <a:stretch>
+            <a:fillRect/>
+          </a:stretch>
+        </p:blipFill>
+        <p:spPr bwMode="auto">
+          <a:xfrm>
+            <a:off x="6781800" y="2209800"/>
+            <a:ext cx="838200" cy="992155"/>
+          </a:xfrm>
+          <a:prstGeom prst="rect">
+            <a:avLst/>
+          </a:prstGeom>
+          <a:noFill/>
+        </p:spPr>
+      </p:pic>
+      <p:cxnSp>
+        <p:nvCxnSpPr>
+          <p:cNvPr id="26" name="Straight Arrow Connector 25"/>
+          <p:cNvCxnSpPr/>
+          <p:nvPr/>
+        </p:nvCxnSpPr>
+        <p:spPr>
+          <a:xfrm>
+            <a:off x="1600200" y="3808412"/>
+            <a:ext cx="152400" cy="1588"/>
+          </a:xfrm>
+          <a:prstGeom prst="straightConnector1">
+            <a:avLst/>
+          </a:prstGeom>
+          <a:ln>
+            <a:tailEnd type="arrow"/>
+          </a:ln>
+        </p:spPr>
+        <p:style>
+          <a:lnRef idx="1">
+            <a:schemeClr val="accent1"/>
+          </a:lnRef>
+          <a:fillRef idx="0">
+            <a:schemeClr val="accent1"/>
+          </a:fillRef>
+          <a:effectRef idx="0">
+            <a:schemeClr val="accent1"/>
+          </a:effectRef>
+          <a:fontRef idx="minor">
+            <a:schemeClr val="tx1"/>
+          </a:fontRef>
+        </p:style>
+      </p:cxnSp>
+      <p:cxnSp>
+        <p:nvCxnSpPr>
+          <p:cNvPr id="27" name="Straight Arrow Connector 26"/>
+          <p:cNvCxnSpPr/>
+          <p:nvPr/>
+        </p:nvCxnSpPr>
+        <p:spPr>
+          <a:xfrm>
+            <a:off x="3200400" y="3808412"/>
+            <a:ext cx="152400" cy="1588"/>
+          </a:xfrm>
+          <a:prstGeom prst="straightConnector1">
+            <a:avLst/>
+          </a:prstGeom>
+          <a:ln>
+            <a:tailEnd type="arrow"/>
+          </a:ln>
+        </p:spPr>
+        <p:style>
+          <a:lnRef idx="1">
+            <a:schemeClr val="accent1"/>
+          </a:lnRef>
+          <a:fillRef idx="0">
+            <a:schemeClr val="accent1"/>
+          </a:fillRef>
+          <a:effectRef idx="0">
+            <a:schemeClr val="accent1"/>
+          </a:effectRef>
+          <a:fontRef idx="minor">
+            <a:schemeClr val="tx1"/>
+          </a:fontRef>
+        </p:style>
+      </p:cxnSp>
+      <p:cxnSp>
+        <p:nvCxnSpPr>
+          <p:cNvPr id="29" name="Straight Arrow Connector 28"/>
+          <p:cNvCxnSpPr/>
+          <p:nvPr/>
+        </p:nvCxnSpPr>
+        <p:spPr>
+          <a:xfrm>
+            <a:off x="4648200" y="3579812"/>
+            <a:ext cx="1143000" cy="1588"/>
+          </a:xfrm>
+          <a:prstGeom prst="straightConnector1">
+            <a:avLst/>
+          </a:prstGeom>
+          <a:ln>
+            <a:tailEnd type="arrow"/>
+          </a:ln>
+        </p:spPr>
+        <p:style>
+          <a:lnRef idx="1">
+            <a:schemeClr val="accent1"/>
+          </a:lnRef>
+          <a:fillRef idx="0">
+            <a:schemeClr val="accent1"/>
+          </a:fillRef>
+          <a:effectRef idx="0">
+            <a:schemeClr val="accent1"/>
+          </a:effectRef>
+          <a:fontRef idx="minor">
+            <a:schemeClr val="tx1"/>
+          </a:fontRef>
+        </p:style>
+      </p:cxnSp>
+      <p:cxnSp>
+        <p:nvCxnSpPr>
+          <p:cNvPr id="31" name="Straight Arrow Connector 30"/>
+          <p:cNvCxnSpPr/>
+          <p:nvPr/>
+        </p:nvCxnSpPr>
+        <p:spPr>
+          <a:xfrm rot="10800000">
+            <a:off x="4648200" y="4096433"/>
+            <a:ext cx="1143000" cy="18366"/>
+          </a:xfrm>
+          <a:prstGeom prst="straightConnector1">
+            <a:avLst/>
+          </a:prstGeom>
+          <a:ln>
+            <a:tailEnd type="arrow"/>
+          </a:ln>
+        </p:spPr>
+        <p:style>
+          <a:lnRef idx="1">
+            <a:schemeClr val="accent1"/>
+          </a:lnRef>
+          <a:fillRef idx="0">
+            <a:schemeClr val="accent1"/>
+          </a:fillRef>
+          <a:effectRef idx="0">
+            <a:schemeClr val="accent1"/>
+          </a:effectRef>
+          <a:fontRef idx="minor">
+            <a:schemeClr val="tx1"/>
+          </a:fontRef>
+        </p:style>
+      </p:cxnSp>
+      <p:sp>
+        <p:nvSpPr>
+          <p:cNvPr id="32" name="TextBox 31"/>
+          <p:cNvSpPr txBox="1"/>
+          <p:nvPr/>
+        </p:nvSpPr>
+        <p:spPr>
+          <a:xfrm>
+            <a:off x="152400" y="990600"/>
+            <a:ext cx="8915400" cy="400110"/>
+          </a:xfrm>
+          <a:prstGeom prst="rect">
+            <a:avLst/>
+          </a:prstGeom>
+          <a:noFill/>
+        </p:spPr>
+        <p:txBody>
+          <a:bodyPr wrap="square" rtlCol="0">
+            <a:spAutoFit/>
+          </a:bodyPr>
+          <a:lstStyle/>
+          <a:p>
+            <a:r>
+              <a:rPr lang="en-US" sz="2000" dirty="0" smtClean="0">
+                <a:latin typeface="Algerian" pitchFamily="82" charset="0"/>
+              </a:rPr>
+              <a:t>Angular 13 + Spring Boot 4 Full Stack Application Architecture</a:t>
+            </a:r>
+            <a:endParaRPr lang="en-US" sz="2000" dirty="0">
+              <a:latin typeface="Algerian" pitchFamily="82" charset="0"/>
+            </a:endParaRPr>
+          </a:p>
+        </p:txBody>
+      </p:sp>
+    </p:spTree>
+  </p:cSld>
+  <p:clrMapOvr>
+    <a:masterClrMapping/>
+  </p:clrMapOvr>
+</p:sld>
+</file>
+
+<file path=ppt/slides/slide11.xml><?xml version="1.0" encoding="utf-8"?>
+<p:sld xmlns:a="http://schemas.openxmlformats.org/drawingml/2006/main" xmlns:r="http://schemas.openxmlformats.org/officeDocument/2006/relationships" xmlns:p="http://schemas.openxmlformats.org/presentationml/2006/main">
+  <p:cSld>
+    <p:spTree>
+      <p:nvGrpSpPr>
+        <p:cNvPr id="1" name=""/>
+        <p:cNvGrpSpPr/>
+        <p:nvPr/>
+      </p:nvGrpSpPr>
+      <p:grpSpPr>
+        <a:xfrm>
+          <a:off x="0" y="0"/>
+          <a:ext cx="0" cy="0"/>
+          <a:chOff x="0" y="0"/>
+          <a:chExt cx="0" cy="0"/>
+        </a:xfrm>
+      </p:grpSpPr>
+      <p:sp>
+        <p:nvSpPr>
+          <p:cNvPr id="23554" name="AutoShape 2" descr="What is MongoDB? The NoSQL database explained to you easily"/>
+          <p:cNvSpPr>
+            <a:spLocks noChangeAspect="1" noChangeArrowheads="1"/>
+          </p:cNvSpPr>
+          <p:nvPr/>
+        </p:nvSpPr>
+        <p:spPr bwMode="auto">
+          <a:xfrm>
+            <a:off x="155575" y="-144463"/>
+            <a:ext cx="304800" cy="304801"/>
+          </a:xfrm>
+          <a:prstGeom prst="rect">
+            <a:avLst/>
+          </a:prstGeom>
+          <a:noFill/>
+        </p:spPr>
+        <p:txBody>
+          <a:bodyPr vert="horz" wrap="square" lIns="91440" tIns="45720" rIns="91440" bIns="45720" numCol="1" anchor="t" anchorCtr="0" compatLnSpc="1">
+            <a:prstTxWarp prst="textNoShape">
+              <a:avLst/>
+            </a:prstTxWarp>
+          </a:bodyPr>
+          <a:lstStyle/>
+          <a:p>
+            <a:endParaRPr lang="en-US" dirty="0"/>
+          </a:p>
+        </p:txBody>
+      </p:sp>
+      <p:sp>
+        <p:nvSpPr>
+          <p:cNvPr id="23562" name="AutoShape 10" descr="We have the Best Slide Thank You PPT Presentation Slides"/>
+          <p:cNvSpPr>
+            <a:spLocks noChangeAspect="1" noChangeArrowheads="1"/>
+          </p:cNvSpPr>
+          <p:nvPr/>
+        </p:nvSpPr>
+        <p:spPr bwMode="auto">
+          <a:xfrm>
+            <a:off x="155575" y="-144463"/>
+            <a:ext cx="304800" cy="304801"/>
+          </a:xfrm>
+          <a:prstGeom prst="rect">
+            <a:avLst/>
+          </a:prstGeom>
+          <a:noFill/>
+        </p:spPr>
+        <p:txBody>
+          <a:bodyPr vert="horz" wrap="square" lIns="91440" tIns="45720" rIns="91440" bIns="45720" numCol="1" anchor="t" anchorCtr="0" compatLnSpc="1">
+            <a:prstTxWarp prst="textNoShape">
+              <a:avLst/>
+            </a:prstTxWarp>
+          </a:bodyPr>
+          <a:lstStyle/>
+          <a:p>
+            <a:endParaRPr lang="en-US" dirty="0"/>
+          </a:p>
+        </p:txBody>
+      </p:sp>
+      <p:sp>
+        <p:nvSpPr>
+          <p:cNvPr id="23564" name="AutoShape 12" descr="We have the Best Slide Thank You PPT Presentation Slides"/>
+          <p:cNvSpPr>
+            <a:spLocks noChangeAspect="1" noChangeArrowheads="1"/>
+          </p:cNvSpPr>
+          <p:nvPr/>
+        </p:nvSpPr>
+        <p:spPr bwMode="auto">
+          <a:xfrm>
+            <a:off x="155575" y="-144463"/>
+            <a:ext cx="304800" cy="304801"/>
+          </a:xfrm>
+          <a:prstGeom prst="rect">
+            <a:avLst/>
+          </a:prstGeom>
+          <a:noFill/>
+        </p:spPr>
+        <p:txBody>
+          <a:bodyPr vert="horz" wrap="square" lIns="91440" tIns="45720" rIns="91440" bIns="45720" numCol="1" anchor="t" anchorCtr="0" compatLnSpc="1">
+            <a:prstTxWarp prst="textNoShape">
+              <a:avLst/>
+            </a:prstTxWarp>
+          </a:bodyPr>
+          <a:lstStyle/>
+          <a:p>
+            <a:endParaRPr lang="en-US" dirty="0"/>
+          </a:p>
+        </p:txBody>
+      </p:sp>
+      <p:sp>
+        <p:nvSpPr>
+          <p:cNvPr id="23566" name="AutoShape 14" descr="We have the Best Slide Thank You PPT Presentation Slides"/>
+          <p:cNvSpPr>
+            <a:spLocks noChangeAspect="1" noChangeArrowheads="1"/>
+          </p:cNvSpPr>
+          <p:nvPr/>
+        </p:nvSpPr>
+        <p:spPr bwMode="auto">
+          <a:xfrm>
+            <a:off x="155575" y="-144463"/>
+            <a:ext cx="304800" cy="304801"/>
+          </a:xfrm>
+          <a:prstGeom prst="rect">
+            <a:avLst/>
+          </a:prstGeom>
+          <a:noFill/>
+        </p:spPr>
+        <p:txBody>
+          <a:bodyPr vert="horz" wrap="square" lIns="91440" tIns="45720" rIns="91440" bIns="45720" numCol="1" anchor="t" anchorCtr="0" compatLnSpc="1">
+            <a:prstTxWarp prst="textNoShape">
+              <a:avLst/>
+            </a:prstTxWarp>
+          </a:bodyPr>
+          <a:lstStyle/>
+          <a:p>
+            <a:endParaRPr lang="en-US" dirty="0"/>
+          </a:p>
+        </p:txBody>
+      </p:sp>
+      <p:pic>
+        <p:nvPicPr>
+          <p:cNvPr id="23568" name="Picture 16" descr="Thank you PowerPoint Presentation and Slides | SlideTeam"/>
+          <p:cNvPicPr>
+            <a:picLocks noChangeAspect="1" noChangeArrowheads="1"/>
+          </p:cNvPicPr>
+          <p:nvPr/>
+        </p:nvPicPr>
+        <p:blipFill>
+          <a:blip r:embed="rId2"/>
+          <a:srcRect/>
+          <a:stretch>
+            <a:fillRect/>
+          </a:stretch>
+        </p:blipFill>
+        <p:spPr bwMode="auto">
+          <a:xfrm>
+            <a:off x="1447800" y="1295400"/>
+            <a:ext cx="5562600" cy="4440533"/>
+          </a:xfrm>
+          <a:prstGeom prst="rect">
+            <a:avLst/>
+          </a:prstGeom>
+          <a:noFill/>
+        </p:spPr>
+      </p:pic>
+      <p:sp>
+        <p:nvSpPr>
+          <p:cNvPr id="10" name="TextBox 9"/>
+          <p:cNvSpPr txBox="1"/>
+          <p:nvPr/>
+        </p:nvSpPr>
+        <p:spPr>
+          <a:xfrm>
+            <a:off x="4114800" y="5858470"/>
+            <a:ext cx="4572000" cy="646331"/>
+          </a:xfrm>
+          <a:prstGeom prst="rect">
+            <a:avLst/>
+          </a:prstGeom>
+          <a:noFill/>
+        </p:spPr>
+        <p:txBody>
+          <a:bodyPr wrap="square" rtlCol="0">
+            <a:spAutoFit/>
+          </a:bodyPr>
+          <a:lstStyle/>
+          <a:p>
+            <a:r>
+              <a:rPr lang="en-US" dirty="0" smtClean="0"/>
+              <a:t>Presented By:</a:t>
+            </a:r>
+          </a:p>
+          <a:p>
+            <a:r>
+              <a:rPr lang="en-US" dirty="0" smtClean="0"/>
+              <a:t>Heeramani Madhwani</a:t>
+            </a:r>
+          </a:p>
+        </p:txBody>
+      </p:sp>
+    </p:spTree>
+  </p:cSld>
+  <p:clrMapOvr>
+    <a:masterClrMapping/>
+  </p:clrMapOvr>
 </p:sld>
 </file>
 
@@ -4438,7 +5682,7 @@
         <p:spPr>
           <a:xfrm>
             <a:off x="381000" y="1219200"/>
-            <a:ext cx="8001000" cy="2585323"/>
+            <a:ext cx="8001000" cy="2862322"/>
           </a:xfrm>
           <a:prstGeom prst="rect">
             <a:avLst/>
@@ -4460,22 +5704,17 @@
                 <a:latin typeface="Sitka Text" pitchFamily="2" charset="0"/>
                 <a:cs typeface="Courier New" pitchFamily="49" charset="0"/>
               </a:rPr>
-              <a:t>   Open-source </a:t>
-            </a:r>
-            <a:r>
-              <a:rPr lang="en-US" dirty="0">
-                <a:latin typeface="Sitka Text" pitchFamily="2" charset="0"/>
-                <a:cs typeface="Courier New" pitchFamily="49" charset="0"/>
-              </a:rPr>
-              <a:t>java-based </a:t>
+              <a:t>   </a:t>
             </a:r>
             <a:r>
               <a:rPr lang="en-US" dirty="0" smtClean="0">
                 <a:latin typeface="Sitka Text" pitchFamily="2" charset="0"/>
                 <a:cs typeface="Courier New" pitchFamily="49" charset="0"/>
               </a:rPr>
-              <a:t>framework.</a:t>
-            </a:r>
+              <a:t>Open-source, microservice-based Java web framework.</a:t>
+            </a:r>
+          </a:p>
+          <a:p>
             <a:endParaRPr lang="en-US" dirty="0">
               <a:latin typeface="Sitka Text" pitchFamily="2" charset="0"/>
               <a:cs typeface="Courier New" pitchFamily="49" charset="0"/>
@@ -5708,15 +6947,7 @@
                       </a:pPr>
                       <a:r>
                         <a:rPr lang="en-US" dirty="0" smtClean="0"/>
-                        <a:t>Delete </a:t>
-                      </a:r>
-                      <a:r>
-                        <a:rPr lang="en-US" dirty="0" smtClean="0"/>
-                        <a:t>user record </a:t>
-                      </a:r>
-                      <a:r>
-                        <a:rPr lang="en-US" dirty="0" smtClean="0"/>
-                        <a:t>by id</a:t>
+                        <a:t>Delete user record by id</a:t>
                       </a:r>
                     </a:p>
                     <a:p>
@@ -5854,6 +7085,1200 @@
           </a:p>
         </p:txBody>
       </p:sp>
+    </p:spTree>
+  </p:cSld>
+  <p:clrMapOvr>
+    <a:masterClrMapping/>
+  </p:clrMapOvr>
+</p:sld>
+</file>
+
+<file path=ppt/slides/slide8.xml><?xml version="1.0" encoding="utf-8"?>
+<p:sld xmlns:a="http://schemas.openxmlformats.org/drawingml/2006/main" xmlns:r="http://schemas.openxmlformats.org/officeDocument/2006/relationships" xmlns:p="http://schemas.openxmlformats.org/presentationml/2006/main">
+  <p:cSld>
+    <p:spTree>
+      <p:nvGrpSpPr>
+        <p:cNvPr id="1" name=""/>
+        <p:cNvGrpSpPr/>
+        <p:nvPr/>
+      </p:nvGrpSpPr>
+      <p:grpSpPr>
+        <a:xfrm>
+          <a:off x="0" y="0"/>
+          <a:ext cx="0" cy="0"/>
+          <a:chOff x="0" y="0"/>
+          <a:chExt cx="0" cy="0"/>
+        </a:xfrm>
+      </p:grpSpPr>
+      <p:sp>
+        <p:nvSpPr>
+          <p:cNvPr id="2" name="TextBox 1"/>
+          <p:cNvSpPr txBox="1"/>
+          <p:nvPr/>
+        </p:nvSpPr>
+        <p:spPr>
+          <a:xfrm>
+            <a:off x="304800" y="914400"/>
+            <a:ext cx="8382000" cy="1477328"/>
+          </a:xfrm>
+          <a:prstGeom prst="rect">
+            <a:avLst/>
+          </a:prstGeom>
+          <a:noFill/>
+        </p:spPr>
+        <p:txBody>
+          <a:bodyPr wrap="square" rtlCol="0">
+            <a:spAutoFit/>
+          </a:bodyPr>
+          <a:lstStyle/>
+          <a:p>
+            <a:r>
+              <a:rPr lang="en-US" dirty="0" smtClean="0"/>
+              <a:t>Angular – UI Framework</a:t>
+            </a:r>
+          </a:p>
+          <a:p>
+            <a:endParaRPr lang="en-US" dirty="0" smtClean="0"/>
+          </a:p>
+          <a:p>
+            <a:pPr>
+              <a:buFont typeface="Wingdings" pitchFamily="2" charset="2"/>
+              <a:buChar char="§"/>
+            </a:pPr>
+            <a:r>
+              <a:rPr lang="en-US" dirty="0" smtClean="0"/>
+              <a:t>   A platform for building Single Page Client Application using HTML and</a:t>
+            </a:r>
+          </a:p>
+          <a:p>
+            <a:r>
+              <a:rPr lang="en-US" dirty="0" smtClean="0"/>
+              <a:t> </a:t>
+            </a:r>
+            <a:r>
+              <a:rPr lang="en-US" dirty="0" smtClean="0"/>
+              <a:t>    TypeScript</a:t>
+            </a:r>
+            <a:r>
+              <a:rPr lang="en-US" dirty="0" smtClean="0"/>
+              <a:t>. Angular  is written in TypeScript</a:t>
+            </a:r>
+            <a:r>
+              <a:rPr lang="en-US" dirty="0" smtClean="0"/>
+              <a:t>.</a:t>
+            </a:r>
+          </a:p>
+          <a:p>
+            <a:pPr>
+              <a:buFont typeface="Wingdings" pitchFamily="2" charset="2"/>
+              <a:buChar char="§"/>
+            </a:pPr>
+            <a:r>
+              <a:rPr lang="en-US" dirty="0" smtClean="0"/>
+              <a:t>   It has built-in features like Dependency Injection , Data Binding.</a:t>
+            </a:r>
+            <a:endParaRPr lang="en-US" dirty="0"/>
+          </a:p>
+        </p:txBody>
+      </p:sp>
+      <p:sp>
+        <p:nvSpPr>
+          <p:cNvPr id="3" name="TextBox 2"/>
+          <p:cNvSpPr txBox="1"/>
+          <p:nvPr/>
+        </p:nvSpPr>
+        <p:spPr>
+          <a:xfrm>
+            <a:off x="457200" y="2743200"/>
+            <a:ext cx="7772400" cy="3693319"/>
+          </a:xfrm>
+          <a:prstGeom prst="rect">
+            <a:avLst/>
+          </a:prstGeom>
+          <a:noFill/>
+        </p:spPr>
+        <p:txBody>
+          <a:bodyPr wrap="square" rtlCol="0">
+            <a:spAutoFit/>
+          </a:bodyPr>
+          <a:lstStyle/>
+          <a:p>
+            <a:r>
+              <a:rPr lang="en-US" dirty="0" smtClean="0"/>
+              <a:t>FrontEnd Modules Implementation:</a:t>
+            </a:r>
+          </a:p>
+          <a:p>
+            <a:endParaRPr lang="en-US" dirty="0" smtClean="0"/>
+          </a:p>
+          <a:p>
+            <a:r>
+              <a:rPr lang="en-US" dirty="0" smtClean="0"/>
+              <a:t>HTML 5</a:t>
+            </a:r>
+          </a:p>
+          <a:p>
+            <a:r>
+              <a:rPr lang="en-US" dirty="0" smtClean="0"/>
+              <a:t>CSS 3 &amp; Bootstrap</a:t>
+            </a:r>
+          </a:p>
+          <a:p>
+            <a:r>
+              <a:rPr lang="en-US" dirty="0" smtClean="0"/>
+              <a:t>Angular 12 or above</a:t>
+            </a:r>
+          </a:p>
+          <a:p>
+            <a:pPr>
+              <a:buFont typeface="Arial" pitchFamily="34" charset="0"/>
+              <a:buChar char="•"/>
+            </a:pPr>
+            <a:r>
+              <a:rPr lang="en-US" dirty="0" smtClean="0"/>
+              <a:t> </a:t>
+            </a:r>
+            <a:r>
+              <a:rPr lang="en-US" dirty="0" smtClean="0"/>
+              <a:t>   Components</a:t>
+            </a:r>
+          </a:p>
+          <a:p>
+            <a:pPr>
+              <a:buFont typeface="Arial" pitchFamily="34" charset="0"/>
+              <a:buChar char="•"/>
+            </a:pPr>
+            <a:r>
+              <a:rPr lang="en-US" dirty="0" smtClean="0"/>
+              <a:t> </a:t>
+            </a:r>
+            <a:r>
+              <a:rPr lang="en-US" dirty="0" smtClean="0"/>
+              <a:t>   Services</a:t>
+            </a:r>
+          </a:p>
+          <a:p>
+            <a:pPr>
+              <a:buFont typeface="Arial" pitchFamily="34" charset="0"/>
+              <a:buChar char="•"/>
+            </a:pPr>
+            <a:r>
+              <a:rPr lang="en-US" dirty="0" smtClean="0"/>
+              <a:t> </a:t>
+            </a:r>
+            <a:r>
+              <a:rPr lang="en-US" dirty="0" smtClean="0"/>
+              <a:t>   Modules</a:t>
+            </a:r>
+          </a:p>
+          <a:p>
+            <a:pPr>
+              <a:buFont typeface="Arial" pitchFamily="34" charset="0"/>
+              <a:buChar char="•"/>
+            </a:pPr>
+            <a:r>
+              <a:rPr lang="en-US" dirty="0" smtClean="0"/>
+              <a:t> </a:t>
+            </a:r>
+            <a:r>
+              <a:rPr lang="en-US" dirty="0" smtClean="0"/>
+              <a:t>   Routing</a:t>
+            </a:r>
+          </a:p>
+          <a:p>
+            <a:pPr>
+              <a:buFont typeface="Arial" pitchFamily="34" charset="0"/>
+              <a:buChar char="•"/>
+            </a:pPr>
+            <a:r>
+              <a:rPr lang="en-US" dirty="0" smtClean="0"/>
+              <a:t> </a:t>
+            </a:r>
+            <a:r>
+              <a:rPr lang="en-US" dirty="0" smtClean="0"/>
+              <a:t>   Forms &amp; Validation</a:t>
+            </a:r>
+          </a:p>
+          <a:p>
+            <a:pPr>
+              <a:buFont typeface="Arial" pitchFamily="34" charset="0"/>
+              <a:buChar char="•"/>
+            </a:pPr>
+            <a:endParaRPr lang="en-US" dirty="0" smtClean="0"/>
+          </a:p>
+          <a:p>
+            <a:pPr>
+              <a:buFont typeface="Arial" pitchFamily="34" charset="0"/>
+              <a:buChar char="•"/>
+            </a:pPr>
+            <a:endParaRPr lang="en-US" dirty="0" smtClean="0"/>
+          </a:p>
+          <a:p>
+            <a:pPr>
+              <a:buFont typeface="Arial" pitchFamily="34" charset="0"/>
+              <a:buChar char="•"/>
+            </a:pPr>
+            <a:endParaRPr lang="en-US" dirty="0"/>
+          </a:p>
+        </p:txBody>
+      </p:sp>
+    </p:spTree>
+  </p:cSld>
+  <p:clrMapOvr>
+    <a:masterClrMapping/>
+  </p:clrMapOvr>
+</p:sld>
+</file>
+
+<file path=ppt/slides/slide9.xml><?xml version="1.0" encoding="utf-8"?>
+<p:sld xmlns:a="http://schemas.openxmlformats.org/drawingml/2006/main" xmlns:r="http://schemas.openxmlformats.org/officeDocument/2006/relationships" xmlns:p="http://schemas.openxmlformats.org/presentationml/2006/main">
+  <p:cSld>
+    <p:spTree>
+      <p:nvGrpSpPr>
+        <p:cNvPr id="1" name=""/>
+        <p:cNvGrpSpPr/>
+        <p:nvPr/>
+      </p:nvGrpSpPr>
+      <p:grpSpPr>
+        <a:xfrm>
+          <a:off x="0" y="0"/>
+          <a:ext cx="0" cy="0"/>
+          <a:chOff x="0" y="0"/>
+          <a:chExt cx="0" cy="0"/>
+        </a:xfrm>
+      </p:grpSpPr>
+      <p:sp>
+        <p:nvSpPr>
+          <p:cNvPr id="2" name="Rounded Rectangle 1"/>
+          <p:cNvSpPr/>
+          <p:nvPr/>
+        </p:nvSpPr>
+        <p:spPr>
+          <a:xfrm>
+            <a:off x="685800" y="1524000"/>
+            <a:ext cx="2209800" cy="685800"/>
+          </a:xfrm>
+          <a:prstGeom prst="roundRect">
+            <a:avLst/>
+          </a:prstGeom>
+          <a:noFill/>
+        </p:spPr>
+        <p:style>
+          <a:lnRef idx="2">
+            <a:schemeClr val="accent1">
+              <a:shade val="50000"/>
+            </a:schemeClr>
+          </a:lnRef>
+          <a:fillRef idx="1">
+            <a:schemeClr val="accent1"/>
+          </a:fillRef>
+          <a:effectRef idx="0">
+            <a:schemeClr val="accent1"/>
+          </a:effectRef>
+          <a:fontRef idx="minor">
+            <a:schemeClr val="lt1"/>
+          </a:fontRef>
+        </p:style>
+        <p:txBody>
+          <a:bodyPr rtlCol="0" anchor="ctr"/>
+          <a:lstStyle/>
+          <a:p>
+            <a:pPr algn="ctr"/>
+            <a:endParaRPr lang="en-US" dirty="0"/>
+          </a:p>
+        </p:txBody>
+      </p:sp>
+      <p:sp>
+        <p:nvSpPr>
+          <p:cNvPr id="4" name="TextBox 3"/>
+          <p:cNvSpPr txBox="1"/>
+          <p:nvPr/>
+        </p:nvSpPr>
+        <p:spPr>
+          <a:xfrm>
+            <a:off x="685800" y="1600200"/>
+            <a:ext cx="2286000" cy="584775"/>
+          </a:xfrm>
+          <a:prstGeom prst="rect">
+            <a:avLst/>
+          </a:prstGeom>
+          <a:noFill/>
+        </p:spPr>
+        <p:txBody>
+          <a:bodyPr wrap="square" rtlCol="0">
+            <a:spAutoFit/>
+          </a:bodyPr>
+          <a:lstStyle/>
+          <a:p>
+            <a:pPr algn="ctr"/>
+            <a:r>
+              <a:rPr lang="en-US" sz="1600" dirty="0" smtClean="0"/>
+              <a:t>Front-End Tools and Technologies Used</a:t>
+            </a:r>
+            <a:endParaRPr lang="en-US" sz="1600" dirty="0"/>
+          </a:p>
+        </p:txBody>
+      </p:sp>
+      <p:sp>
+        <p:nvSpPr>
+          <p:cNvPr id="5" name="Rounded Rectangle 4"/>
+          <p:cNvSpPr/>
+          <p:nvPr/>
+        </p:nvSpPr>
+        <p:spPr>
+          <a:xfrm>
+            <a:off x="762000" y="4343400"/>
+            <a:ext cx="2209800" cy="685800"/>
+          </a:xfrm>
+          <a:prstGeom prst="roundRect">
+            <a:avLst/>
+          </a:prstGeom>
+          <a:noFill/>
+        </p:spPr>
+        <p:style>
+          <a:lnRef idx="2">
+            <a:schemeClr val="accent1">
+              <a:shade val="50000"/>
+            </a:schemeClr>
+          </a:lnRef>
+          <a:fillRef idx="1">
+            <a:schemeClr val="accent1"/>
+          </a:fillRef>
+          <a:effectRef idx="0">
+            <a:schemeClr val="accent1"/>
+          </a:effectRef>
+          <a:fontRef idx="minor">
+            <a:schemeClr val="lt1"/>
+          </a:fontRef>
+        </p:style>
+        <p:txBody>
+          <a:bodyPr rtlCol="0" anchor="ctr"/>
+          <a:lstStyle/>
+          <a:p>
+            <a:pPr algn="ctr"/>
+            <a:endParaRPr lang="en-US" dirty="0"/>
+          </a:p>
+        </p:txBody>
+      </p:sp>
+      <p:sp>
+        <p:nvSpPr>
+          <p:cNvPr id="6" name="TextBox 5"/>
+          <p:cNvSpPr txBox="1"/>
+          <p:nvPr/>
+        </p:nvSpPr>
+        <p:spPr>
+          <a:xfrm>
+            <a:off x="762000" y="4419600"/>
+            <a:ext cx="2286000" cy="584775"/>
+          </a:xfrm>
+          <a:prstGeom prst="rect">
+            <a:avLst/>
+          </a:prstGeom>
+          <a:noFill/>
+        </p:spPr>
+        <p:txBody>
+          <a:bodyPr wrap="square" rtlCol="0">
+            <a:spAutoFit/>
+          </a:bodyPr>
+          <a:lstStyle/>
+          <a:p>
+            <a:pPr algn="ctr"/>
+            <a:r>
+              <a:rPr lang="en-US" sz="1600" dirty="0" smtClean="0"/>
+              <a:t>Server side Technologies Used</a:t>
+            </a:r>
+            <a:endParaRPr lang="en-US" sz="1600" dirty="0"/>
+          </a:p>
+        </p:txBody>
+      </p:sp>
+      <p:sp>
+        <p:nvSpPr>
+          <p:cNvPr id="7" name="TextBox 6"/>
+          <p:cNvSpPr txBox="1"/>
+          <p:nvPr/>
+        </p:nvSpPr>
+        <p:spPr>
+          <a:xfrm>
+            <a:off x="4953000" y="685800"/>
+            <a:ext cx="2057400" cy="369332"/>
+          </a:xfrm>
+          <a:prstGeom prst="rect">
+            <a:avLst/>
+          </a:prstGeom>
+          <a:noFill/>
+        </p:spPr>
+        <p:txBody>
+          <a:bodyPr wrap="square" rtlCol="0">
+            <a:spAutoFit/>
+          </a:bodyPr>
+          <a:lstStyle/>
+          <a:p>
+            <a:r>
+              <a:rPr lang="en-US" dirty="0" smtClean="0"/>
+              <a:t>Angular 13</a:t>
+            </a:r>
+            <a:endParaRPr lang="en-US" dirty="0"/>
+          </a:p>
+        </p:txBody>
+      </p:sp>
+      <p:sp>
+        <p:nvSpPr>
+          <p:cNvPr id="8" name="TextBox 7"/>
+          <p:cNvSpPr txBox="1"/>
+          <p:nvPr/>
+        </p:nvSpPr>
+        <p:spPr>
+          <a:xfrm>
+            <a:off x="5334000" y="1066800"/>
+            <a:ext cx="1676400" cy="381000"/>
+          </a:xfrm>
+          <a:prstGeom prst="rect">
+            <a:avLst/>
+          </a:prstGeom>
+          <a:noFill/>
+        </p:spPr>
+        <p:txBody>
+          <a:bodyPr wrap="square" rtlCol="0">
+            <a:spAutoFit/>
+          </a:bodyPr>
+          <a:lstStyle/>
+          <a:p>
+            <a:r>
+              <a:rPr lang="en-US" dirty="0" smtClean="0"/>
+              <a:t>TypeScript</a:t>
+            </a:r>
+            <a:endParaRPr lang="en-US" dirty="0"/>
+          </a:p>
+        </p:txBody>
+      </p:sp>
+      <p:sp>
+        <p:nvSpPr>
+          <p:cNvPr id="10" name="TextBox 9"/>
+          <p:cNvSpPr txBox="1"/>
+          <p:nvPr/>
+        </p:nvSpPr>
+        <p:spPr>
+          <a:xfrm>
+            <a:off x="5638800" y="1524000"/>
+            <a:ext cx="2286000" cy="369332"/>
+          </a:xfrm>
+          <a:prstGeom prst="rect">
+            <a:avLst/>
+          </a:prstGeom>
+          <a:noFill/>
+        </p:spPr>
+        <p:txBody>
+          <a:bodyPr wrap="square" rtlCol="0">
+            <a:spAutoFit/>
+          </a:bodyPr>
+          <a:lstStyle/>
+          <a:p>
+            <a:r>
+              <a:rPr lang="en-US" dirty="0" smtClean="0"/>
+              <a:t>Node JS and NPM</a:t>
+            </a:r>
+          </a:p>
+        </p:txBody>
+      </p:sp>
+      <p:sp>
+        <p:nvSpPr>
+          <p:cNvPr id="11" name="TextBox 10"/>
+          <p:cNvSpPr txBox="1"/>
+          <p:nvPr/>
+        </p:nvSpPr>
+        <p:spPr>
+          <a:xfrm>
+            <a:off x="5638800" y="1905000"/>
+            <a:ext cx="2057400" cy="381000"/>
+          </a:xfrm>
+          <a:prstGeom prst="rect">
+            <a:avLst/>
+          </a:prstGeom>
+          <a:noFill/>
+        </p:spPr>
+        <p:txBody>
+          <a:bodyPr wrap="square" rtlCol="0">
+            <a:spAutoFit/>
+          </a:bodyPr>
+          <a:lstStyle/>
+          <a:p>
+            <a:r>
+              <a:rPr lang="en-US" dirty="0" smtClean="0"/>
+              <a:t>VS Code IDE</a:t>
+            </a:r>
+            <a:endParaRPr lang="en-US" dirty="0"/>
+          </a:p>
+        </p:txBody>
+      </p:sp>
+      <p:sp>
+        <p:nvSpPr>
+          <p:cNvPr id="12" name="TextBox 11"/>
+          <p:cNvSpPr txBox="1"/>
+          <p:nvPr/>
+        </p:nvSpPr>
+        <p:spPr>
+          <a:xfrm>
+            <a:off x="5410200" y="2286000"/>
+            <a:ext cx="1828800" cy="369332"/>
+          </a:xfrm>
+          <a:prstGeom prst="rect">
+            <a:avLst/>
+          </a:prstGeom>
+          <a:noFill/>
+        </p:spPr>
+        <p:txBody>
+          <a:bodyPr wrap="square" rtlCol="0">
+            <a:spAutoFit/>
+          </a:bodyPr>
+          <a:lstStyle/>
+          <a:p>
+            <a:r>
+              <a:rPr lang="en-US" dirty="0" smtClean="0"/>
+              <a:t>Angular CLI</a:t>
+            </a:r>
+            <a:endParaRPr lang="en-US" dirty="0"/>
+          </a:p>
+        </p:txBody>
+      </p:sp>
+      <p:sp>
+        <p:nvSpPr>
+          <p:cNvPr id="13" name="TextBox 12"/>
+          <p:cNvSpPr txBox="1"/>
+          <p:nvPr/>
+        </p:nvSpPr>
+        <p:spPr>
+          <a:xfrm>
+            <a:off x="5029200" y="2667000"/>
+            <a:ext cx="2057400" cy="381000"/>
+          </a:xfrm>
+          <a:prstGeom prst="rect">
+            <a:avLst/>
+          </a:prstGeom>
+          <a:noFill/>
+        </p:spPr>
+        <p:txBody>
+          <a:bodyPr wrap="square" rtlCol="0">
+            <a:spAutoFit/>
+          </a:bodyPr>
+          <a:lstStyle/>
+          <a:p>
+            <a:r>
+              <a:rPr lang="en-US" dirty="0" smtClean="0"/>
+              <a:t>Bootstrap 4+</a:t>
+            </a:r>
+            <a:endParaRPr lang="en-US" dirty="0"/>
+          </a:p>
+        </p:txBody>
+      </p:sp>
+      <p:cxnSp>
+        <p:nvCxnSpPr>
+          <p:cNvPr id="17" name="Straight Arrow Connector 16"/>
+          <p:cNvCxnSpPr>
+            <a:stCxn id="4" idx="3"/>
+            <a:endCxn id="7" idx="1"/>
+          </p:cNvCxnSpPr>
+          <p:nvPr/>
+        </p:nvCxnSpPr>
+        <p:spPr>
+          <a:xfrm flipV="1">
+            <a:off x="2971800" y="870466"/>
+            <a:ext cx="1981200" cy="1022122"/>
+          </a:xfrm>
+          <a:prstGeom prst="straightConnector1">
+            <a:avLst/>
+          </a:prstGeom>
+          <a:ln>
+            <a:tailEnd type="arrow"/>
+          </a:ln>
+        </p:spPr>
+        <p:style>
+          <a:lnRef idx="1">
+            <a:schemeClr val="accent1"/>
+          </a:lnRef>
+          <a:fillRef idx="0">
+            <a:schemeClr val="accent1"/>
+          </a:fillRef>
+          <a:effectRef idx="0">
+            <a:schemeClr val="accent1"/>
+          </a:effectRef>
+          <a:fontRef idx="minor">
+            <a:schemeClr val="tx1"/>
+          </a:fontRef>
+        </p:style>
+      </p:cxnSp>
+      <p:cxnSp>
+        <p:nvCxnSpPr>
+          <p:cNvPr id="19" name="Straight Arrow Connector 18"/>
+          <p:cNvCxnSpPr>
+            <a:stCxn id="4" idx="3"/>
+            <a:endCxn id="8" idx="1"/>
+          </p:cNvCxnSpPr>
+          <p:nvPr/>
+        </p:nvCxnSpPr>
+        <p:spPr>
+          <a:xfrm flipV="1">
+            <a:off x="2971800" y="1257300"/>
+            <a:ext cx="2362200" cy="635288"/>
+          </a:xfrm>
+          <a:prstGeom prst="straightConnector1">
+            <a:avLst/>
+          </a:prstGeom>
+          <a:ln>
+            <a:tailEnd type="arrow"/>
+          </a:ln>
+        </p:spPr>
+        <p:style>
+          <a:lnRef idx="1">
+            <a:schemeClr val="accent1"/>
+          </a:lnRef>
+          <a:fillRef idx="0">
+            <a:schemeClr val="accent1"/>
+          </a:fillRef>
+          <a:effectRef idx="0">
+            <a:schemeClr val="accent1"/>
+          </a:effectRef>
+          <a:fontRef idx="minor">
+            <a:schemeClr val="tx1"/>
+          </a:fontRef>
+        </p:style>
+      </p:cxnSp>
+      <p:cxnSp>
+        <p:nvCxnSpPr>
+          <p:cNvPr id="22" name="Straight Arrow Connector 21"/>
+          <p:cNvCxnSpPr>
+            <a:stCxn id="4" idx="3"/>
+          </p:cNvCxnSpPr>
+          <p:nvPr/>
+        </p:nvCxnSpPr>
+        <p:spPr>
+          <a:xfrm flipV="1">
+            <a:off x="2971800" y="1752600"/>
+            <a:ext cx="2590800" cy="139988"/>
+          </a:xfrm>
+          <a:prstGeom prst="straightConnector1">
+            <a:avLst/>
+          </a:prstGeom>
+          <a:ln>
+            <a:tailEnd type="arrow"/>
+          </a:ln>
+        </p:spPr>
+        <p:style>
+          <a:lnRef idx="1">
+            <a:schemeClr val="accent1"/>
+          </a:lnRef>
+          <a:fillRef idx="0">
+            <a:schemeClr val="accent1"/>
+          </a:fillRef>
+          <a:effectRef idx="0">
+            <a:schemeClr val="accent1"/>
+          </a:effectRef>
+          <a:fontRef idx="minor">
+            <a:schemeClr val="tx1"/>
+          </a:fontRef>
+        </p:style>
+      </p:cxnSp>
+      <p:cxnSp>
+        <p:nvCxnSpPr>
+          <p:cNvPr id="24" name="Straight Arrow Connector 23"/>
+          <p:cNvCxnSpPr>
+            <a:stCxn id="4" idx="3"/>
+          </p:cNvCxnSpPr>
+          <p:nvPr/>
+        </p:nvCxnSpPr>
+        <p:spPr>
+          <a:xfrm>
+            <a:off x="2971800" y="1892588"/>
+            <a:ext cx="2590800" cy="164812"/>
+          </a:xfrm>
+          <a:prstGeom prst="straightConnector1">
+            <a:avLst/>
+          </a:prstGeom>
+          <a:ln>
+            <a:tailEnd type="arrow"/>
+          </a:ln>
+        </p:spPr>
+        <p:style>
+          <a:lnRef idx="1">
+            <a:schemeClr val="accent1"/>
+          </a:lnRef>
+          <a:fillRef idx="0">
+            <a:schemeClr val="accent1"/>
+          </a:fillRef>
+          <a:effectRef idx="0">
+            <a:schemeClr val="accent1"/>
+          </a:effectRef>
+          <a:fontRef idx="minor">
+            <a:schemeClr val="tx1"/>
+          </a:fontRef>
+        </p:style>
+      </p:cxnSp>
+      <p:cxnSp>
+        <p:nvCxnSpPr>
+          <p:cNvPr id="26" name="Straight Arrow Connector 25"/>
+          <p:cNvCxnSpPr>
+            <a:stCxn id="4" idx="3"/>
+            <a:endCxn id="12" idx="1"/>
+          </p:cNvCxnSpPr>
+          <p:nvPr/>
+        </p:nvCxnSpPr>
+        <p:spPr>
+          <a:xfrm>
+            <a:off x="2971800" y="1892588"/>
+            <a:ext cx="2438400" cy="578078"/>
+          </a:xfrm>
+          <a:prstGeom prst="straightConnector1">
+            <a:avLst/>
+          </a:prstGeom>
+          <a:ln>
+            <a:tailEnd type="arrow"/>
+          </a:ln>
+        </p:spPr>
+        <p:style>
+          <a:lnRef idx="1">
+            <a:schemeClr val="accent1"/>
+          </a:lnRef>
+          <a:fillRef idx="0">
+            <a:schemeClr val="accent1"/>
+          </a:fillRef>
+          <a:effectRef idx="0">
+            <a:schemeClr val="accent1"/>
+          </a:effectRef>
+          <a:fontRef idx="minor">
+            <a:schemeClr val="tx1"/>
+          </a:fontRef>
+        </p:style>
+      </p:cxnSp>
+      <p:cxnSp>
+        <p:nvCxnSpPr>
+          <p:cNvPr id="28" name="Straight Arrow Connector 27"/>
+          <p:cNvCxnSpPr>
+            <a:stCxn id="4" idx="3"/>
+            <a:endCxn id="13" idx="1"/>
+          </p:cNvCxnSpPr>
+          <p:nvPr/>
+        </p:nvCxnSpPr>
+        <p:spPr>
+          <a:xfrm>
+            <a:off x="2971800" y="1892588"/>
+            <a:ext cx="2057400" cy="964912"/>
+          </a:xfrm>
+          <a:prstGeom prst="straightConnector1">
+            <a:avLst/>
+          </a:prstGeom>
+          <a:ln>
+            <a:tailEnd type="arrow"/>
+          </a:ln>
+        </p:spPr>
+        <p:style>
+          <a:lnRef idx="1">
+            <a:schemeClr val="accent1"/>
+          </a:lnRef>
+          <a:fillRef idx="0">
+            <a:schemeClr val="accent1"/>
+          </a:fillRef>
+          <a:effectRef idx="0">
+            <a:schemeClr val="accent1"/>
+          </a:effectRef>
+          <a:fontRef idx="minor">
+            <a:schemeClr val="tx1"/>
+          </a:fontRef>
+        </p:style>
+      </p:cxnSp>
+      <p:sp>
+        <p:nvSpPr>
+          <p:cNvPr id="29" name="TextBox 28"/>
+          <p:cNvSpPr txBox="1"/>
+          <p:nvPr/>
+        </p:nvSpPr>
+        <p:spPr>
+          <a:xfrm>
+            <a:off x="5257800" y="3886200"/>
+            <a:ext cx="1676400" cy="381000"/>
+          </a:xfrm>
+          <a:prstGeom prst="rect">
+            <a:avLst/>
+          </a:prstGeom>
+          <a:noFill/>
+        </p:spPr>
+        <p:txBody>
+          <a:bodyPr wrap="square" rtlCol="0">
+            <a:spAutoFit/>
+          </a:bodyPr>
+          <a:lstStyle/>
+          <a:p>
+            <a:r>
+              <a:rPr lang="en-US" dirty="0" smtClean="0"/>
+              <a:t>Spring Boot 4</a:t>
+            </a:r>
+            <a:endParaRPr lang="en-US" dirty="0"/>
+          </a:p>
+        </p:txBody>
+      </p:sp>
+      <p:sp>
+        <p:nvSpPr>
+          <p:cNvPr id="30" name="TextBox 29"/>
+          <p:cNvSpPr txBox="1"/>
+          <p:nvPr/>
+        </p:nvSpPr>
+        <p:spPr>
+          <a:xfrm>
+            <a:off x="5715000" y="4343400"/>
+            <a:ext cx="2286000" cy="369332"/>
+          </a:xfrm>
+          <a:prstGeom prst="rect">
+            <a:avLst/>
+          </a:prstGeom>
+          <a:noFill/>
+        </p:spPr>
+        <p:txBody>
+          <a:bodyPr wrap="square" rtlCol="0">
+            <a:spAutoFit/>
+          </a:bodyPr>
+          <a:lstStyle/>
+          <a:p>
+            <a:r>
+              <a:rPr lang="en-US" dirty="0" smtClean="0"/>
+              <a:t>Maven</a:t>
+            </a:r>
+            <a:endParaRPr lang="en-US" dirty="0" smtClean="0"/>
+          </a:p>
+        </p:txBody>
+      </p:sp>
+      <p:sp>
+        <p:nvSpPr>
+          <p:cNvPr id="31" name="TextBox 30"/>
+          <p:cNvSpPr txBox="1"/>
+          <p:nvPr/>
+        </p:nvSpPr>
+        <p:spPr>
+          <a:xfrm>
+            <a:off x="6248400" y="4724400"/>
+            <a:ext cx="2057400" cy="381000"/>
+          </a:xfrm>
+          <a:prstGeom prst="rect">
+            <a:avLst/>
+          </a:prstGeom>
+          <a:noFill/>
+        </p:spPr>
+        <p:txBody>
+          <a:bodyPr wrap="square" rtlCol="0">
+            <a:spAutoFit/>
+          </a:bodyPr>
+          <a:lstStyle/>
+          <a:p>
+            <a:r>
+              <a:rPr lang="en-US" dirty="0" smtClean="0"/>
+              <a:t>JDK 1.8</a:t>
+            </a:r>
+            <a:endParaRPr lang="en-US" dirty="0"/>
+          </a:p>
+        </p:txBody>
+      </p:sp>
+      <p:sp>
+        <p:nvSpPr>
+          <p:cNvPr id="32" name="TextBox 31"/>
+          <p:cNvSpPr txBox="1"/>
+          <p:nvPr/>
+        </p:nvSpPr>
+        <p:spPr>
+          <a:xfrm>
+            <a:off x="6248400" y="5117068"/>
+            <a:ext cx="2209800" cy="369332"/>
+          </a:xfrm>
+          <a:prstGeom prst="rect">
+            <a:avLst/>
+          </a:prstGeom>
+          <a:noFill/>
+        </p:spPr>
+        <p:txBody>
+          <a:bodyPr wrap="square" rtlCol="0">
+            <a:spAutoFit/>
+          </a:bodyPr>
+          <a:lstStyle/>
+          <a:p>
+            <a:r>
+              <a:rPr lang="en-US" dirty="0" smtClean="0"/>
+              <a:t>Embedded Tomcat</a:t>
+            </a:r>
+            <a:endParaRPr lang="en-US" dirty="0"/>
+          </a:p>
+        </p:txBody>
+      </p:sp>
+      <p:sp>
+        <p:nvSpPr>
+          <p:cNvPr id="33" name="TextBox 32"/>
+          <p:cNvSpPr txBox="1"/>
+          <p:nvPr/>
+        </p:nvSpPr>
+        <p:spPr>
+          <a:xfrm>
+            <a:off x="5791200" y="5638800"/>
+            <a:ext cx="2209800" cy="369332"/>
+          </a:xfrm>
+          <a:prstGeom prst="rect">
+            <a:avLst/>
+          </a:prstGeom>
+          <a:noFill/>
+        </p:spPr>
+        <p:txBody>
+          <a:bodyPr wrap="square" rtlCol="0">
+            <a:spAutoFit/>
+          </a:bodyPr>
+          <a:lstStyle/>
+          <a:p>
+            <a:r>
+              <a:rPr lang="en-US" dirty="0" smtClean="0"/>
+              <a:t>MongoDB Database</a:t>
+            </a:r>
+            <a:endParaRPr lang="en-US" dirty="0"/>
+          </a:p>
+        </p:txBody>
+      </p:sp>
+      <p:sp>
+        <p:nvSpPr>
+          <p:cNvPr id="34" name="TextBox 33"/>
+          <p:cNvSpPr txBox="1"/>
+          <p:nvPr/>
+        </p:nvSpPr>
+        <p:spPr>
+          <a:xfrm>
+            <a:off x="5257800" y="6096000"/>
+            <a:ext cx="2057400" cy="381000"/>
+          </a:xfrm>
+          <a:prstGeom prst="rect">
+            <a:avLst/>
+          </a:prstGeom>
+          <a:noFill/>
+        </p:spPr>
+        <p:txBody>
+          <a:bodyPr wrap="square" rtlCol="0">
+            <a:spAutoFit/>
+          </a:bodyPr>
+          <a:lstStyle/>
+          <a:p>
+            <a:r>
+              <a:rPr lang="en-US" dirty="0" smtClean="0"/>
+              <a:t>Bootstrap 4+</a:t>
+            </a:r>
+            <a:endParaRPr lang="en-US" dirty="0"/>
+          </a:p>
+        </p:txBody>
+      </p:sp>
+      <p:cxnSp>
+        <p:nvCxnSpPr>
+          <p:cNvPr id="36" name="Straight Arrow Connector 35"/>
+          <p:cNvCxnSpPr>
+            <a:stCxn id="6" idx="3"/>
+            <a:endCxn id="29" idx="1"/>
+          </p:cNvCxnSpPr>
+          <p:nvPr/>
+        </p:nvCxnSpPr>
+        <p:spPr>
+          <a:xfrm flipV="1">
+            <a:off x="3048000" y="4076700"/>
+            <a:ext cx="2209800" cy="635288"/>
+          </a:xfrm>
+          <a:prstGeom prst="straightConnector1">
+            <a:avLst/>
+          </a:prstGeom>
+          <a:ln>
+            <a:tailEnd type="arrow"/>
+          </a:ln>
+        </p:spPr>
+        <p:style>
+          <a:lnRef idx="1">
+            <a:schemeClr val="accent1"/>
+          </a:lnRef>
+          <a:fillRef idx="0">
+            <a:schemeClr val="accent1"/>
+          </a:fillRef>
+          <a:effectRef idx="0">
+            <a:schemeClr val="accent1"/>
+          </a:effectRef>
+          <a:fontRef idx="minor">
+            <a:schemeClr val="tx1"/>
+          </a:fontRef>
+        </p:style>
+      </p:cxnSp>
+      <p:cxnSp>
+        <p:nvCxnSpPr>
+          <p:cNvPr id="38" name="Straight Arrow Connector 37"/>
+          <p:cNvCxnSpPr>
+            <a:stCxn id="6" idx="3"/>
+            <a:endCxn id="30" idx="1"/>
+          </p:cNvCxnSpPr>
+          <p:nvPr/>
+        </p:nvCxnSpPr>
+        <p:spPr>
+          <a:xfrm flipV="1">
+            <a:off x="3048000" y="4528066"/>
+            <a:ext cx="2667000" cy="183922"/>
+          </a:xfrm>
+          <a:prstGeom prst="straightConnector1">
+            <a:avLst/>
+          </a:prstGeom>
+          <a:ln>
+            <a:tailEnd type="arrow"/>
+          </a:ln>
+        </p:spPr>
+        <p:style>
+          <a:lnRef idx="1">
+            <a:schemeClr val="accent1"/>
+          </a:lnRef>
+          <a:fillRef idx="0">
+            <a:schemeClr val="accent1"/>
+          </a:fillRef>
+          <a:effectRef idx="0">
+            <a:schemeClr val="accent1"/>
+          </a:effectRef>
+          <a:fontRef idx="minor">
+            <a:schemeClr val="tx1"/>
+          </a:fontRef>
+        </p:style>
+      </p:cxnSp>
+      <p:cxnSp>
+        <p:nvCxnSpPr>
+          <p:cNvPr id="40" name="Straight Arrow Connector 39"/>
+          <p:cNvCxnSpPr>
+            <a:endCxn id="31" idx="1"/>
+          </p:cNvCxnSpPr>
+          <p:nvPr/>
+        </p:nvCxnSpPr>
+        <p:spPr>
+          <a:xfrm>
+            <a:off x="3048000" y="4724400"/>
+            <a:ext cx="3200400" cy="190500"/>
+          </a:xfrm>
+          <a:prstGeom prst="straightConnector1">
+            <a:avLst/>
+          </a:prstGeom>
+          <a:ln>
+            <a:tailEnd type="arrow"/>
+          </a:ln>
+        </p:spPr>
+        <p:style>
+          <a:lnRef idx="1">
+            <a:schemeClr val="accent1"/>
+          </a:lnRef>
+          <a:fillRef idx="0">
+            <a:schemeClr val="accent1"/>
+          </a:fillRef>
+          <a:effectRef idx="0">
+            <a:schemeClr val="accent1"/>
+          </a:effectRef>
+          <a:fontRef idx="minor">
+            <a:schemeClr val="tx1"/>
+          </a:fontRef>
+        </p:style>
+      </p:cxnSp>
+      <p:cxnSp>
+        <p:nvCxnSpPr>
+          <p:cNvPr id="44" name="Straight Arrow Connector 43"/>
+          <p:cNvCxnSpPr>
+            <a:stCxn id="6" idx="3"/>
+            <a:endCxn id="32" idx="1"/>
+          </p:cNvCxnSpPr>
+          <p:nvPr/>
+        </p:nvCxnSpPr>
+        <p:spPr>
+          <a:xfrm>
+            <a:off x="3048000" y="4711988"/>
+            <a:ext cx="3200400" cy="589746"/>
+          </a:xfrm>
+          <a:prstGeom prst="straightConnector1">
+            <a:avLst/>
+          </a:prstGeom>
+          <a:ln>
+            <a:tailEnd type="arrow"/>
+          </a:ln>
+        </p:spPr>
+        <p:style>
+          <a:lnRef idx="1">
+            <a:schemeClr val="accent1"/>
+          </a:lnRef>
+          <a:fillRef idx="0">
+            <a:schemeClr val="accent1"/>
+          </a:fillRef>
+          <a:effectRef idx="0">
+            <a:schemeClr val="accent1"/>
+          </a:effectRef>
+          <a:fontRef idx="minor">
+            <a:schemeClr val="tx1"/>
+          </a:fontRef>
+        </p:style>
+      </p:cxnSp>
+      <p:cxnSp>
+        <p:nvCxnSpPr>
+          <p:cNvPr id="46" name="Straight Arrow Connector 45"/>
+          <p:cNvCxnSpPr>
+            <a:stCxn id="6" idx="3"/>
+            <a:endCxn id="33" idx="1"/>
+          </p:cNvCxnSpPr>
+          <p:nvPr/>
+        </p:nvCxnSpPr>
+        <p:spPr>
+          <a:xfrm>
+            <a:off x="3048000" y="4711988"/>
+            <a:ext cx="2743200" cy="1111478"/>
+          </a:xfrm>
+          <a:prstGeom prst="straightConnector1">
+            <a:avLst/>
+          </a:prstGeom>
+          <a:ln>
+            <a:tailEnd type="arrow"/>
+          </a:ln>
+        </p:spPr>
+        <p:style>
+          <a:lnRef idx="1">
+            <a:schemeClr val="accent1"/>
+          </a:lnRef>
+          <a:fillRef idx="0">
+            <a:schemeClr val="accent1"/>
+          </a:fillRef>
+          <a:effectRef idx="0">
+            <a:schemeClr val="accent1"/>
+          </a:effectRef>
+          <a:fontRef idx="minor">
+            <a:schemeClr val="tx1"/>
+          </a:fontRef>
+        </p:style>
+      </p:cxnSp>
+      <p:cxnSp>
+        <p:nvCxnSpPr>
+          <p:cNvPr id="48" name="Straight Arrow Connector 47"/>
+          <p:cNvCxnSpPr>
+            <a:stCxn id="6" idx="3"/>
+            <a:endCxn id="34" idx="1"/>
+          </p:cNvCxnSpPr>
+          <p:nvPr/>
+        </p:nvCxnSpPr>
+        <p:spPr>
+          <a:xfrm>
+            <a:off x="3048000" y="4711988"/>
+            <a:ext cx="2209800" cy="1574512"/>
+          </a:xfrm>
+          <a:prstGeom prst="straightConnector1">
+            <a:avLst/>
+          </a:prstGeom>
+          <a:ln>
+            <a:tailEnd type="arrow"/>
+          </a:ln>
+        </p:spPr>
+        <p:style>
+          <a:lnRef idx="1">
+            <a:schemeClr val="accent1"/>
+          </a:lnRef>
+          <a:fillRef idx="0">
+            <a:schemeClr val="accent1"/>
+          </a:fillRef>
+          <a:effectRef idx="0">
+            <a:schemeClr val="accent1"/>
+          </a:effectRef>
+          <a:fontRef idx="minor">
+            <a:schemeClr val="tx1"/>
+          </a:fontRef>
+        </p:style>
+      </p:cxnSp>
     </p:spTree>
   </p:cSld>
   <p:clrMapOvr>
